--- a/poster.pptx
+++ b/poster.pptx
@@ -1418,7 +1418,7 @@
           </a:lstStyle>
           <a:p>
             <a:pPr algn="ctr"/>
-            <a:endParaRPr lang="en-US" sz="6400"/>
+            <a:endParaRPr lang="en-US" sz="6400" dirty="0"/>
           </a:p>
         </p:txBody>
       </p:sp>
@@ -1436,7 +1436,7 @@
         </p:nvSpPr>
         <p:spPr>
           <a:xfrm>
-            <a:off x="17077923" y="19292254"/>
+            <a:off x="17077923" y="19075278"/>
             <a:ext cx="15001441" cy="461665"/>
           </a:xfrm>
           <a:prstGeom prst="rect">
@@ -2636,7 +2636,7 @@
         <p:spPr>
           <a:xfrm>
             <a:off x="817158" y="12817483"/>
-            <a:ext cx="6874704" cy="7294305"/>
+            <a:ext cx="6874704" cy="8402300"/>
           </a:xfrm>
           <a:prstGeom prst="rect">
             <a:avLst/>
@@ -2748,6 +2748,35 @@
                 <a:cs typeface="Open Sans" panose="020B0606030504020204" pitchFamily="34" charset="0"/>
               </a:rPr>
               <a:t>In order to handle these categorical genotypic features, we employ one-hot encoding, constructing a dummy variable for each class membership. We then drop one such dummy variable from each group and include an intercept in our feature space, in keeping with standard practice for linear models. The end result is a dataset with 4386 observations and 23 features.</a:t>
+            </a:r>
+          </a:p>
+          <a:p>
+            <a:endParaRPr lang="en-US" sz="1800" dirty="0">
+              <a:solidFill>
+                <a:schemeClr val="tx1">
+                  <a:lumMod val="65000"/>
+                  <a:lumOff val="35000"/>
+                </a:schemeClr>
+              </a:solidFill>
+              <a:latin typeface="Domine" panose="02040503040403060204" pitchFamily="18" charset="0"/>
+              <a:ea typeface="Open Sans" panose="020B0606030504020204" pitchFamily="34" charset="0"/>
+              <a:cs typeface="Open Sans" panose="020B0606030504020204" pitchFamily="34" charset="0"/>
+            </a:endParaRPr>
+          </a:p>
+          <a:p>
+            <a:r>
+              <a:rPr lang="en-US" sz="1800" dirty="0">
+                <a:solidFill>
+                  <a:schemeClr val="tx1">
+                    <a:lumMod val="65000"/>
+                    <a:lumOff val="35000"/>
+                  </a:schemeClr>
+                </a:solidFill>
+                <a:latin typeface="Domine" panose="02040503040403060204" pitchFamily="18" charset="0"/>
+                <a:ea typeface="Open Sans" panose="020B0606030504020204" pitchFamily="34" charset="0"/>
+                <a:cs typeface="Open Sans" panose="020B0606030504020204" pitchFamily="34" charset="0"/>
+              </a:rPr>
+              <a:t>The label, which we try to predict, is given by the correct therapeutic dose of warfarin, which we discretize into 3 bins corresponding to “low”, “medium”, and “high”.</a:t>
             </a:r>
           </a:p>
         </p:txBody>
@@ -2896,6 +2925,990 @@
           </a:prstGeom>
         </p:spPr>
       </p:pic>
+      <p:sp>
+        <p:nvSpPr>
+          <p:cNvPr id="54" name="TextBox 53">
+            <a:extLst>
+              <a:ext uri="{FF2B5EF4-FFF2-40B4-BE49-F238E27FC236}">
+                <a16:creationId xmlns:a16="http://schemas.microsoft.com/office/drawing/2014/main" id="{090C76CE-4F34-EA4C-86A5-13358E37C3CE}"/>
+              </a:ext>
+            </a:extLst>
+          </p:cNvPr>
+          <p:cNvSpPr txBox="1"/>
+          <p:nvPr/>
+        </p:nvSpPr>
+        <p:spPr>
+          <a:xfrm>
+            <a:off x="8973064" y="5945869"/>
+            <a:ext cx="6874704" cy="2308324"/>
+          </a:xfrm>
+          <a:prstGeom prst="rect">
+            <a:avLst/>
+          </a:prstGeom>
+          <a:noFill/>
+        </p:spPr>
+        <p:txBody>
+          <a:bodyPr wrap="square" rtlCol="0">
+            <a:spAutoFit/>
+          </a:bodyPr>
+          <a:lstStyle/>
+          <a:p>
+            <a:r>
+              <a:rPr lang="en-US" sz="1800" dirty="0">
+                <a:solidFill>
+                  <a:schemeClr val="tx1">
+                    <a:lumMod val="65000"/>
+                    <a:lumOff val="35000"/>
+                  </a:schemeClr>
+                </a:solidFill>
+                <a:latin typeface="Domine" panose="02040503040403060204" pitchFamily="18" charset="0"/>
+                <a:ea typeface="Open Sans" panose="020B0606030504020204" pitchFamily="34" charset="0"/>
+                <a:cs typeface="Open Sans" panose="020B0606030504020204" pitchFamily="34" charset="0"/>
+              </a:rPr>
+              <a:t>We utilize two benchmark models against which we evaluate bandit performance. The first is the fixed dose baseline, which simply assigns every patient a medium dose. The second is the clinical dosing algorithm, a simple equation that calculates the square root of weekly dose as a linear function of patient covariates:</a:t>
+            </a:r>
+          </a:p>
+          <a:p>
+            <a:endParaRPr lang="en-US" sz="1800" dirty="0">
+              <a:solidFill>
+                <a:schemeClr val="tx1">
+                  <a:lumMod val="65000"/>
+                  <a:lumOff val="35000"/>
+                </a:schemeClr>
+              </a:solidFill>
+              <a:latin typeface="Domine" panose="02040503040403060204" pitchFamily="18" charset="0"/>
+              <a:ea typeface="Open Sans" panose="020B0606030504020204" pitchFamily="34" charset="0"/>
+              <a:cs typeface="Open Sans" panose="020B0606030504020204" pitchFamily="34" charset="0"/>
+            </a:endParaRPr>
+          </a:p>
+          <a:p>
+            <a:endParaRPr lang="en-US" sz="1800" dirty="0">
+              <a:solidFill>
+                <a:schemeClr val="tx1">
+                  <a:lumMod val="65000"/>
+                  <a:lumOff val="35000"/>
+                </a:schemeClr>
+              </a:solidFill>
+              <a:latin typeface="Domine" panose="02040503040403060204" pitchFamily="18" charset="0"/>
+              <a:ea typeface="Open Sans" panose="020B0606030504020204" pitchFamily="34" charset="0"/>
+              <a:cs typeface="Open Sans" panose="020B0606030504020204" pitchFamily="34" charset="0"/>
+            </a:endParaRPr>
+          </a:p>
+        </p:txBody>
+      </p:sp>
+      <p:sp>
+        <p:nvSpPr>
+          <p:cNvPr id="55" name="TextBox 54">
+            <a:extLst>
+              <a:ext uri="{FF2B5EF4-FFF2-40B4-BE49-F238E27FC236}">
+                <a16:creationId xmlns:a16="http://schemas.microsoft.com/office/drawing/2014/main" id="{ACA8FA1A-DF38-6646-BF48-45406A9BE443}"/>
+              </a:ext>
+            </a:extLst>
+          </p:cNvPr>
+          <p:cNvSpPr txBox="1"/>
+          <p:nvPr/>
+        </p:nvSpPr>
+        <p:spPr>
+          <a:xfrm>
+            <a:off x="8973064" y="5560054"/>
+            <a:ext cx="6874704" cy="400110"/>
+          </a:xfrm>
+          <a:prstGeom prst="rect">
+            <a:avLst/>
+          </a:prstGeom>
+          <a:noFill/>
+        </p:spPr>
+        <p:txBody>
+          <a:bodyPr wrap="square" rtlCol="0">
+            <a:spAutoFit/>
+          </a:bodyPr>
+          <a:lstStyle>
+            <a:defPPr>
+              <a:defRPr kern="1200"/>
+            </a:defPPr>
+          </a:lstStyle>
+          <a:p>
+            <a:r>
+              <a:rPr lang="en-US" sz="2000" b="1" dirty="0">
+                <a:solidFill>
+                  <a:schemeClr val="tx1">
+                    <a:lumMod val="75000"/>
+                    <a:lumOff val="25000"/>
+                  </a:schemeClr>
+                </a:solidFill>
+                <a:latin typeface="Montserrat Extra Bold" panose="00000900000000000000" pitchFamily="50" charset="0"/>
+              </a:rPr>
+              <a:t>Benchmark Models</a:t>
+            </a:r>
+          </a:p>
+        </p:txBody>
+      </p:sp>
+      <p:pic>
+        <p:nvPicPr>
+          <p:cNvPr id="26" name="Picture 25" descr="Text&#10;&#10;Description automatically generated with low confidence">
+            <a:extLst>
+              <a:ext uri="{FF2B5EF4-FFF2-40B4-BE49-F238E27FC236}">
+                <a16:creationId xmlns:a16="http://schemas.microsoft.com/office/drawing/2014/main" id="{E9ECCF75-B612-0E48-A6C2-2CD1B237AE53}"/>
+              </a:ext>
+            </a:extLst>
+          </p:cNvPr>
+          <p:cNvPicPr>
+            <a:picLocks noChangeAspect="1"/>
+          </p:cNvPicPr>
+          <p:nvPr/>
+        </p:nvPicPr>
+        <p:blipFill>
+          <a:blip r:embed="rId8">
+            <a:extLst>
+              <a:ext uri="{28A0092B-C50C-407E-A947-70E740481C1C}">
+                <a14:useLocalDpi xmlns:a14="http://schemas.microsoft.com/office/drawing/2010/main" val="0"/>
+              </a:ext>
+            </a:extLst>
+          </a:blip>
+          <a:stretch>
+            <a:fillRect/>
+          </a:stretch>
+        </p:blipFill>
+        <p:spPr>
+          <a:xfrm>
+            <a:off x="10601425" y="7772615"/>
+            <a:ext cx="3548528" cy="1636266"/>
+          </a:xfrm>
+          <a:prstGeom prst="rect">
+            <a:avLst/>
+          </a:prstGeom>
+        </p:spPr>
+      </p:pic>
+      <p:sp>
+        <p:nvSpPr>
+          <p:cNvPr id="62" name="TextBox 61">
+            <a:extLst>
+              <a:ext uri="{FF2B5EF4-FFF2-40B4-BE49-F238E27FC236}">
+                <a16:creationId xmlns:a16="http://schemas.microsoft.com/office/drawing/2014/main" id="{BCF2C460-B292-B644-ACD1-12647D9B3D30}"/>
+              </a:ext>
+            </a:extLst>
+          </p:cNvPr>
+          <p:cNvSpPr txBox="1"/>
+          <p:nvPr/>
+        </p:nvSpPr>
+        <p:spPr>
+          <a:xfrm>
+            <a:off x="8936601" y="10014969"/>
+            <a:ext cx="6874704" cy="2031325"/>
+          </a:xfrm>
+          <a:prstGeom prst="rect">
+            <a:avLst/>
+          </a:prstGeom>
+          <a:noFill/>
+        </p:spPr>
+        <p:txBody>
+          <a:bodyPr wrap="square" rtlCol="0">
+            <a:spAutoFit/>
+          </a:bodyPr>
+          <a:lstStyle/>
+          <a:p>
+            <a:r>
+              <a:rPr lang="en-US" sz="1800" dirty="0">
+                <a:solidFill>
+                  <a:schemeClr val="tx1">
+                    <a:lumMod val="65000"/>
+                    <a:lumOff val="35000"/>
+                  </a:schemeClr>
+                </a:solidFill>
+                <a:latin typeface="Domine" panose="02040503040403060204" pitchFamily="18" charset="0"/>
+                <a:ea typeface="Open Sans" panose="020B0606030504020204" pitchFamily="34" charset="0"/>
+                <a:cs typeface="Open Sans" panose="020B0606030504020204" pitchFamily="34" charset="0"/>
+              </a:rPr>
+              <a:t>Our primary bandit algorithm is </a:t>
+            </a:r>
+            <a:r>
+              <a:rPr lang="en-US" sz="1800" dirty="0" err="1">
+                <a:solidFill>
+                  <a:schemeClr val="tx1">
+                    <a:lumMod val="65000"/>
+                    <a:lumOff val="35000"/>
+                  </a:schemeClr>
+                </a:solidFill>
+                <a:latin typeface="Domine" panose="02040503040403060204" pitchFamily="18" charset="0"/>
+                <a:ea typeface="Open Sans" panose="020B0606030504020204" pitchFamily="34" charset="0"/>
+                <a:cs typeface="Open Sans" panose="020B0606030504020204" pitchFamily="34" charset="0"/>
+              </a:rPr>
+              <a:t>LinUCB</a:t>
+            </a:r>
+            <a:r>
+              <a:rPr lang="en-US" sz="1800" dirty="0">
+                <a:solidFill>
+                  <a:schemeClr val="tx1">
+                    <a:lumMod val="65000"/>
+                    <a:lumOff val="35000"/>
+                  </a:schemeClr>
+                </a:solidFill>
+                <a:latin typeface="Domine" panose="02040503040403060204" pitchFamily="18" charset="0"/>
+                <a:ea typeface="Open Sans" panose="020B0606030504020204" pitchFamily="34" charset="0"/>
+                <a:cs typeface="Open Sans" panose="020B0606030504020204" pitchFamily="34" charset="0"/>
+              </a:rPr>
+              <a:t> with disjoint linear models, based on Li et al. (2010). In this model, the optimal patient dose is selected based on a linear function of the patient’s characteristics plus an optimism term to ensure sufficient exploration. </a:t>
+            </a:r>
+          </a:p>
+          <a:p>
+            <a:endParaRPr lang="en-US" sz="1800" dirty="0">
+              <a:solidFill>
+                <a:schemeClr val="tx1">
+                  <a:lumMod val="65000"/>
+                  <a:lumOff val="35000"/>
+                </a:schemeClr>
+              </a:solidFill>
+              <a:latin typeface="Domine" panose="02040503040403060204" pitchFamily="18" charset="0"/>
+              <a:ea typeface="Open Sans" panose="020B0606030504020204" pitchFamily="34" charset="0"/>
+              <a:cs typeface="Open Sans" panose="020B0606030504020204" pitchFamily="34" charset="0"/>
+            </a:endParaRPr>
+          </a:p>
+          <a:p>
+            <a:endParaRPr lang="en-US" sz="1800" dirty="0">
+              <a:solidFill>
+                <a:schemeClr val="tx1">
+                  <a:lumMod val="65000"/>
+                  <a:lumOff val="35000"/>
+                </a:schemeClr>
+              </a:solidFill>
+              <a:latin typeface="Domine" panose="02040503040403060204" pitchFamily="18" charset="0"/>
+              <a:ea typeface="Open Sans" panose="020B0606030504020204" pitchFamily="34" charset="0"/>
+              <a:cs typeface="Open Sans" panose="020B0606030504020204" pitchFamily="34" charset="0"/>
+            </a:endParaRPr>
+          </a:p>
+        </p:txBody>
+      </p:sp>
+      <p:sp>
+        <p:nvSpPr>
+          <p:cNvPr id="63" name="TextBox 62">
+            <a:extLst>
+              <a:ext uri="{FF2B5EF4-FFF2-40B4-BE49-F238E27FC236}">
+                <a16:creationId xmlns:a16="http://schemas.microsoft.com/office/drawing/2014/main" id="{3C7108ED-202D-474E-996F-78061D06C431}"/>
+              </a:ext>
+            </a:extLst>
+          </p:cNvPr>
+          <p:cNvSpPr txBox="1"/>
+          <p:nvPr/>
+        </p:nvSpPr>
+        <p:spPr>
+          <a:xfrm>
+            <a:off x="8936601" y="9629154"/>
+            <a:ext cx="6874704" cy="400110"/>
+          </a:xfrm>
+          <a:prstGeom prst="rect">
+            <a:avLst/>
+          </a:prstGeom>
+          <a:noFill/>
+        </p:spPr>
+        <p:txBody>
+          <a:bodyPr wrap="square" rtlCol="0">
+            <a:spAutoFit/>
+          </a:bodyPr>
+          <a:lstStyle>
+            <a:defPPr>
+              <a:defRPr kern="1200"/>
+            </a:defPPr>
+          </a:lstStyle>
+          <a:p>
+            <a:r>
+              <a:rPr lang="en-US" sz="2000" b="1" dirty="0" err="1">
+                <a:solidFill>
+                  <a:schemeClr val="tx1">
+                    <a:lumMod val="75000"/>
+                    <a:lumOff val="25000"/>
+                  </a:schemeClr>
+                </a:solidFill>
+                <a:latin typeface="Montserrat Extra Bold" panose="00000900000000000000" pitchFamily="50" charset="0"/>
+              </a:rPr>
+              <a:t>LinUCB</a:t>
+            </a:r>
+            <a:r>
+              <a:rPr lang="en-US" sz="2000" b="1" dirty="0">
+                <a:solidFill>
+                  <a:schemeClr val="tx1">
+                    <a:lumMod val="75000"/>
+                    <a:lumOff val="25000"/>
+                  </a:schemeClr>
+                </a:solidFill>
+                <a:latin typeface="Montserrat Extra Bold" panose="00000900000000000000" pitchFamily="50" charset="0"/>
+              </a:rPr>
+              <a:t> with Disjoint Linear Models</a:t>
+            </a:r>
+          </a:p>
+        </p:txBody>
+      </p:sp>
+      <p:sp>
+        <p:nvSpPr>
+          <p:cNvPr id="64" name="TextBox 63">
+            <a:extLst>
+              <a:ext uri="{FF2B5EF4-FFF2-40B4-BE49-F238E27FC236}">
+                <a16:creationId xmlns:a16="http://schemas.microsoft.com/office/drawing/2014/main" id="{A3E4D9C5-31FA-2548-BD18-B2F42B4C3EB7}"/>
+              </a:ext>
+            </a:extLst>
+          </p:cNvPr>
+          <p:cNvSpPr txBox="1"/>
+          <p:nvPr/>
+        </p:nvSpPr>
+        <p:spPr>
+          <a:xfrm>
+            <a:off x="8973064" y="12651404"/>
+            <a:ext cx="6874704" cy="2862322"/>
+          </a:xfrm>
+          <a:prstGeom prst="rect">
+            <a:avLst/>
+          </a:prstGeom>
+          <a:noFill/>
+        </p:spPr>
+        <p:txBody>
+          <a:bodyPr wrap="square" rtlCol="0">
+            <a:spAutoFit/>
+          </a:bodyPr>
+          <a:lstStyle/>
+          <a:p>
+            <a:r>
+              <a:rPr lang="en-US" sz="1800" dirty="0">
+                <a:solidFill>
+                  <a:schemeClr val="tx1">
+                    <a:lumMod val="65000"/>
+                    <a:lumOff val="35000"/>
+                  </a:schemeClr>
+                </a:solidFill>
+                <a:latin typeface="Domine" panose="02040503040403060204" pitchFamily="18" charset="0"/>
+                <a:ea typeface="Open Sans" panose="020B0606030504020204" pitchFamily="34" charset="0"/>
+                <a:cs typeface="Open Sans" panose="020B0606030504020204" pitchFamily="34" charset="0"/>
+              </a:rPr>
+              <a:t>Our second bandit algorithm is Thompson Sampling, applied to contextual bandits with linear payoffs, based on Agrawal &amp; Goyal (2013).. This algorithm works by posterior sampling, where we sample the linear parameter vector from a continuously updating normal distribution, We deviate from the prescribed implementation by giving each arm a separate set of parameters, thereby making it a disjoint setting similar to </a:t>
+            </a:r>
+            <a:r>
+              <a:rPr lang="en-US" sz="1800" dirty="0" err="1">
+                <a:solidFill>
+                  <a:schemeClr val="tx1">
+                    <a:lumMod val="65000"/>
+                    <a:lumOff val="35000"/>
+                  </a:schemeClr>
+                </a:solidFill>
+                <a:latin typeface="Domine" panose="02040503040403060204" pitchFamily="18" charset="0"/>
+                <a:ea typeface="Open Sans" panose="020B0606030504020204" pitchFamily="34" charset="0"/>
+                <a:cs typeface="Open Sans" panose="020B0606030504020204" pitchFamily="34" charset="0"/>
+              </a:rPr>
+              <a:t>LinUCB</a:t>
+            </a:r>
+            <a:r>
+              <a:rPr lang="en-US" sz="1800" dirty="0">
+                <a:solidFill>
+                  <a:schemeClr val="tx1">
+                    <a:lumMod val="65000"/>
+                    <a:lumOff val="35000"/>
+                  </a:schemeClr>
+                </a:solidFill>
+                <a:latin typeface="Domine" panose="02040503040403060204" pitchFamily="18" charset="0"/>
+                <a:ea typeface="Open Sans" panose="020B0606030504020204" pitchFamily="34" charset="0"/>
+                <a:cs typeface="Open Sans" panose="020B0606030504020204" pitchFamily="34" charset="0"/>
+              </a:rPr>
+              <a:t>,</a:t>
+            </a:r>
+          </a:p>
+          <a:p>
+            <a:endParaRPr lang="en-US" sz="1800" dirty="0">
+              <a:solidFill>
+                <a:schemeClr val="tx1">
+                  <a:lumMod val="65000"/>
+                  <a:lumOff val="35000"/>
+                </a:schemeClr>
+              </a:solidFill>
+              <a:latin typeface="Domine" panose="02040503040403060204" pitchFamily="18" charset="0"/>
+              <a:ea typeface="Open Sans" panose="020B0606030504020204" pitchFamily="34" charset="0"/>
+              <a:cs typeface="Open Sans" panose="020B0606030504020204" pitchFamily="34" charset="0"/>
+            </a:endParaRPr>
+          </a:p>
+          <a:p>
+            <a:endParaRPr lang="en-US" sz="1800" dirty="0">
+              <a:solidFill>
+                <a:schemeClr val="tx1">
+                  <a:lumMod val="65000"/>
+                  <a:lumOff val="35000"/>
+                </a:schemeClr>
+              </a:solidFill>
+              <a:latin typeface="Domine" panose="02040503040403060204" pitchFamily="18" charset="0"/>
+              <a:ea typeface="Open Sans" panose="020B0606030504020204" pitchFamily="34" charset="0"/>
+              <a:cs typeface="Open Sans" panose="020B0606030504020204" pitchFamily="34" charset="0"/>
+            </a:endParaRPr>
+          </a:p>
+        </p:txBody>
+      </p:sp>
+      <p:sp>
+        <p:nvSpPr>
+          <p:cNvPr id="65" name="TextBox 64">
+            <a:extLst>
+              <a:ext uri="{FF2B5EF4-FFF2-40B4-BE49-F238E27FC236}">
+                <a16:creationId xmlns:a16="http://schemas.microsoft.com/office/drawing/2014/main" id="{1F50919E-1D61-ED42-BD82-84F736BAE7BF}"/>
+              </a:ext>
+            </a:extLst>
+          </p:cNvPr>
+          <p:cNvSpPr txBox="1"/>
+          <p:nvPr/>
+        </p:nvSpPr>
+        <p:spPr>
+          <a:xfrm>
+            <a:off x="8973064" y="12265589"/>
+            <a:ext cx="6874704" cy="400110"/>
+          </a:xfrm>
+          <a:prstGeom prst="rect">
+            <a:avLst/>
+          </a:prstGeom>
+          <a:noFill/>
+        </p:spPr>
+        <p:txBody>
+          <a:bodyPr wrap="square" rtlCol="0">
+            <a:spAutoFit/>
+          </a:bodyPr>
+          <a:lstStyle>
+            <a:defPPr>
+              <a:defRPr kern="1200"/>
+            </a:defPPr>
+          </a:lstStyle>
+          <a:p>
+            <a:r>
+              <a:rPr lang="en-US" sz="2000" b="1" dirty="0">
+                <a:solidFill>
+                  <a:schemeClr val="tx1">
+                    <a:lumMod val="75000"/>
+                    <a:lumOff val="25000"/>
+                  </a:schemeClr>
+                </a:solidFill>
+                <a:latin typeface="Montserrat Extra Bold" panose="00000900000000000000" pitchFamily="50" charset="0"/>
+              </a:rPr>
+              <a:t>Thompson Sampling</a:t>
+            </a:r>
+          </a:p>
+        </p:txBody>
+      </p:sp>
+      <p:sp>
+        <p:nvSpPr>
+          <p:cNvPr id="66" name="TextBox 65">
+            <a:extLst>
+              <a:ext uri="{FF2B5EF4-FFF2-40B4-BE49-F238E27FC236}">
+                <a16:creationId xmlns:a16="http://schemas.microsoft.com/office/drawing/2014/main" id="{F486202D-6F64-AE4D-B1D6-5824E8EFE1C5}"/>
+              </a:ext>
+            </a:extLst>
+          </p:cNvPr>
+          <p:cNvSpPr txBox="1"/>
+          <p:nvPr/>
+        </p:nvSpPr>
+        <p:spPr>
+          <a:xfrm>
+            <a:off x="8936601" y="16677095"/>
+            <a:ext cx="6874704" cy="2308324"/>
+          </a:xfrm>
+          <a:prstGeom prst="rect">
+            <a:avLst/>
+          </a:prstGeom>
+          <a:noFill/>
+        </p:spPr>
+        <p:txBody>
+          <a:bodyPr wrap="square" rtlCol="0">
+            <a:spAutoFit/>
+          </a:bodyPr>
+          <a:lstStyle/>
+          <a:p>
+            <a:r>
+              <a:rPr lang="en-US" sz="1800" dirty="0">
+                <a:solidFill>
+                  <a:schemeClr val="tx1">
+                    <a:lumMod val="65000"/>
+                    <a:lumOff val="35000"/>
+                  </a:schemeClr>
+                </a:solidFill>
+                <a:latin typeface="Domine" panose="02040503040403060204" pitchFamily="18" charset="0"/>
+                <a:ea typeface="Open Sans" panose="020B0606030504020204" pitchFamily="34" charset="0"/>
+                <a:cs typeface="Open Sans" panose="020B0606030504020204" pitchFamily="34" charset="0"/>
+              </a:rPr>
+              <a:t>Our final algorithm is a supervised linear bandit, which trains a linear model based on all prior observed true warfarin doses, rather than the standard binary reward. By utilizing this extra information, this model should achieve better performance than all others tested, and will set a kind of upper bound on the performance of linear bandit models. </a:t>
+            </a:r>
+          </a:p>
+          <a:p>
+            <a:endParaRPr lang="en-US" sz="1800" dirty="0">
+              <a:solidFill>
+                <a:schemeClr val="tx1">
+                  <a:lumMod val="65000"/>
+                  <a:lumOff val="35000"/>
+                </a:schemeClr>
+              </a:solidFill>
+              <a:latin typeface="Domine" panose="02040503040403060204" pitchFamily="18" charset="0"/>
+              <a:ea typeface="Open Sans" panose="020B0606030504020204" pitchFamily="34" charset="0"/>
+              <a:cs typeface="Open Sans" panose="020B0606030504020204" pitchFamily="34" charset="0"/>
+            </a:endParaRPr>
+          </a:p>
+          <a:p>
+            <a:endParaRPr lang="en-US" sz="1800" dirty="0">
+              <a:solidFill>
+                <a:schemeClr val="tx1">
+                  <a:lumMod val="65000"/>
+                  <a:lumOff val="35000"/>
+                </a:schemeClr>
+              </a:solidFill>
+              <a:latin typeface="Domine" panose="02040503040403060204" pitchFamily="18" charset="0"/>
+              <a:ea typeface="Open Sans" panose="020B0606030504020204" pitchFamily="34" charset="0"/>
+              <a:cs typeface="Open Sans" panose="020B0606030504020204" pitchFamily="34" charset="0"/>
+            </a:endParaRPr>
+          </a:p>
+        </p:txBody>
+      </p:sp>
+      <p:sp>
+        <p:nvSpPr>
+          <p:cNvPr id="67" name="TextBox 66">
+            <a:extLst>
+              <a:ext uri="{FF2B5EF4-FFF2-40B4-BE49-F238E27FC236}">
+                <a16:creationId xmlns:a16="http://schemas.microsoft.com/office/drawing/2014/main" id="{B137B4B7-0EF7-024F-9A39-6C8733D86FC6}"/>
+              </a:ext>
+            </a:extLst>
+          </p:cNvPr>
+          <p:cNvSpPr txBox="1"/>
+          <p:nvPr/>
+        </p:nvSpPr>
+        <p:spPr>
+          <a:xfrm>
+            <a:off x="8936601" y="16291280"/>
+            <a:ext cx="6874704" cy="400110"/>
+          </a:xfrm>
+          <a:prstGeom prst="rect">
+            <a:avLst/>
+          </a:prstGeom>
+          <a:noFill/>
+        </p:spPr>
+        <p:txBody>
+          <a:bodyPr wrap="square" rtlCol="0">
+            <a:spAutoFit/>
+          </a:bodyPr>
+          <a:lstStyle>
+            <a:defPPr>
+              <a:defRPr kern="1200"/>
+            </a:defPPr>
+          </a:lstStyle>
+          <a:p>
+            <a:r>
+              <a:rPr lang="en-US" sz="2000" b="1" dirty="0">
+                <a:solidFill>
+                  <a:schemeClr val="tx1">
+                    <a:lumMod val="75000"/>
+                    <a:lumOff val="25000"/>
+                  </a:schemeClr>
+                </a:solidFill>
+                <a:latin typeface="Montserrat Extra Bold" panose="00000900000000000000" pitchFamily="50" charset="0"/>
+              </a:rPr>
+              <a:t>Supervised Linear Bandit</a:t>
+            </a:r>
+          </a:p>
+        </p:txBody>
+      </p:sp>
+      <p:sp>
+        <p:nvSpPr>
+          <p:cNvPr id="68" name="TextBox 67">
+            <a:extLst>
+              <a:ext uri="{FF2B5EF4-FFF2-40B4-BE49-F238E27FC236}">
+                <a16:creationId xmlns:a16="http://schemas.microsoft.com/office/drawing/2014/main" id="{1CAC4F3D-2FD8-3643-AC3F-553E60C13061}"/>
+              </a:ext>
+            </a:extLst>
+          </p:cNvPr>
+          <p:cNvSpPr txBox="1"/>
+          <p:nvPr/>
+        </p:nvSpPr>
+        <p:spPr>
+          <a:xfrm>
+            <a:off x="17077923" y="19555190"/>
+            <a:ext cx="15001441" cy="2031325"/>
+          </a:xfrm>
+          <a:prstGeom prst="rect">
+            <a:avLst/>
+          </a:prstGeom>
+          <a:noFill/>
+        </p:spPr>
+        <p:txBody>
+          <a:bodyPr wrap="square" rtlCol="0">
+            <a:spAutoFit/>
+          </a:bodyPr>
+          <a:lstStyle/>
+          <a:p>
+            <a:pPr marL="458788" indent="-458788"/>
+            <a:r>
+              <a:rPr lang="en-US" sz="1800" dirty="0">
+                <a:solidFill>
+                  <a:schemeClr val="tx1">
+                    <a:lumMod val="65000"/>
+                    <a:lumOff val="35000"/>
+                  </a:schemeClr>
+                </a:solidFill>
+                <a:latin typeface="Domine" panose="02040503040403060204" pitchFamily="18" charset="0"/>
+                <a:ea typeface="Open Sans" panose="020B0606030504020204" pitchFamily="34" charset="0"/>
+                <a:cs typeface="Open Sans" panose="020B0606030504020204" pitchFamily="34" charset="0"/>
+              </a:rPr>
+              <a:t>I. W. P. Consortium. Estimation of the warfarin dose with clinical and pharmacogenetic data. </a:t>
+            </a:r>
+            <a:r>
+              <a:rPr lang="en-US" sz="1800" i="1" dirty="0">
+                <a:solidFill>
+                  <a:schemeClr val="tx1">
+                    <a:lumMod val="65000"/>
+                    <a:lumOff val="35000"/>
+                  </a:schemeClr>
+                </a:solidFill>
+                <a:latin typeface="Domine" panose="02040503040403060204" pitchFamily="18" charset="0"/>
+                <a:ea typeface="Open Sans" panose="020B0606030504020204" pitchFamily="34" charset="0"/>
+                <a:cs typeface="Open Sans" panose="020B0606030504020204" pitchFamily="34" charset="0"/>
+              </a:rPr>
+              <a:t>New England Journal of Medicine</a:t>
+            </a:r>
+            <a:r>
+              <a:rPr lang="en-US" sz="1800" dirty="0">
+                <a:solidFill>
+                  <a:schemeClr val="tx1">
+                    <a:lumMod val="65000"/>
+                    <a:lumOff val="35000"/>
+                  </a:schemeClr>
+                </a:solidFill>
+                <a:latin typeface="Domine" panose="02040503040403060204" pitchFamily="18" charset="0"/>
+                <a:ea typeface="Open Sans" panose="020B0606030504020204" pitchFamily="34" charset="0"/>
+                <a:cs typeface="Open Sans" panose="020B0606030504020204" pitchFamily="34" charset="0"/>
+              </a:rPr>
+              <a:t>, 360(8):753–764, 2009.</a:t>
+            </a:r>
+          </a:p>
+          <a:p>
+            <a:pPr marL="458788" indent="-458788"/>
+            <a:r>
+              <a:rPr lang="en-US" sz="1800" dirty="0">
+                <a:solidFill>
+                  <a:schemeClr val="tx1">
+                    <a:lumMod val="65000"/>
+                    <a:lumOff val="35000"/>
+                  </a:schemeClr>
+                </a:solidFill>
+                <a:latin typeface="Domine" panose="02040503040403060204" pitchFamily="18" charset="0"/>
+                <a:ea typeface="Open Sans" panose="020B0606030504020204" pitchFamily="34" charset="0"/>
+                <a:cs typeface="Open Sans" panose="020B0606030504020204" pitchFamily="34" charset="0"/>
+              </a:rPr>
+              <a:t>L. Li, W. Chu, J. Langford, and R. E. </a:t>
+            </a:r>
+            <a:r>
+              <a:rPr lang="en-US" sz="1800" dirty="0" err="1">
+                <a:solidFill>
+                  <a:schemeClr val="tx1">
+                    <a:lumMod val="65000"/>
+                    <a:lumOff val="35000"/>
+                  </a:schemeClr>
+                </a:solidFill>
+                <a:latin typeface="Domine" panose="02040503040403060204" pitchFamily="18" charset="0"/>
+                <a:ea typeface="Open Sans" panose="020B0606030504020204" pitchFamily="34" charset="0"/>
+                <a:cs typeface="Open Sans" panose="020B0606030504020204" pitchFamily="34" charset="0"/>
+              </a:rPr>
+              <a:t>Schapire</a:t>
+            </a:r>
+            <a:r>
+              <a:rPr lang="en-US" sz="1800" dirty="0">
+                <a:solidFill>
+                  <a:schemeClr val="tx1">
+                    <a:lumMod val="65000"/>
+                    <a:lumOff val="35000"/>
+                  </a:schemeClr>
+                </a:solidFill>
+                <a:latin typeface="Domine" panose="02040503040403060204" pitchFamily="18" charset="0"/>
+                <a:ea typeface="Open Sans" panose="020B0606030504020204" pitchFamily="34" charset="0"/>
+                <a:cs typeface="Open Sans" panose="020B0606030504020204" pitchFamily="34" charset="0"/>
+              </a:rPr>
+              <a:t>. A contextual-bandit approach to personalized news article recommendation. In </a:t>
+            </a:r>
+            <a:r>
+              <a:rPr lang="en-US" sz="1800" i="1" dirty="0">
+                <a:solidFill>
+                  <a:schemeClr val="tx1">
+                    <a:lumMod val="65000"/>
+                    <a:lumOff val="35000"/>
+                  </a:schemeClr>
+                </a:solidFill>
+                <a:latin typeface="Domine" panose="02040503040403060204" pitchFamily="18" charset="0"/>
+                <a:ea typeface="Open Sans" panose="020B0606030504020204" pitchFamily="34" charset="0"/>
+                <a:cs typeface="Open Sans" panose="020B0606030504020204" pitchFamily="34" charset="0"/>
+              </a:rPr>
+              <a:t>Proceedings          of the 19th international conference on World wide web</a:t>
+            </a:r>
+            <a:r>
+              <a:rPr lang="en-US" sz="1800" dirty="0">
+                <a:solidFill>
+                  <a:schemeClr val="tx1">
+                    <a:lumMod val="65000"/>
+                    <a:lumOff val="35000"/>
+                  </a:schemeClr>
+                </a:solidFill>
+                <a:latin typeface="Domine" panose="02040503040403060204" pitchFamily="18" charset="0"/>
+                <a:ea typeface="Open Sans" panose="020B0606030504020204" pitchFamily="34" charset="0"/>
+                <a:cs typeface="Open Sans" panose="020B0606030504020204" pitchFamily="34" charset="0"/>
+              </a:rPr>
+              <a:t>, pages 661–670, 2010.</a:t>
+            </a:r>
+          </a:p>
+          <a:p>
+            <a:pPr marL="458788" indent="-458788"/>
+            <a:r>
+              <a:rPr lang="en-US" sz="1800" dirty="0">
+                <a:solidFill>
+                  <a:schemeClr val="tx1">
+                    <a:lumMod val="65000"/>
+                    <a:lumOff val="35000"/>
+                  </a:schemeClr>
+                </a:solidFill>
+                <a:latin typeface="Domine" panose="02040503040403060204" pitchFamily="18" charset="0"/>
+                <a:ea typeface="Open Sans" panose="020B0606030504020204" pitchFamily="34" charset="0"/>
+                <a:cs typeface="Open Sans" panose="020B0606030504020204" pitchFamily="34" charset="0"/>
+              </a:rPr>
+              <a:t>S. Agrawal and N. Goyal. Thompson sampling for contextual bandits with linear payoffs. In </a:t>
+            </a:r>
+            <a:r>
+              <a:rPr lang="en-US" sz="1800" i="1" dirty="0">
+                <a:solidFill>
+                  <a:schemeClr val="tx1">
+                    <a:lumMod val="65000"/>
+                    <a:lumOff val="35000"/>
+                  </a:schemeClr>
+                </a:solidFill>
+                <a:latin typeface="Domine" panose="02040503040403060204" pitchFamily="18" charset="0"/>
+                <a:ea typeface="Open Sans" panose="020B0606030504020204" pitchFamily="34" charset="0"/>
+                <a:cs typeface="Open Sans" panose="020B0606030504020204" pitchFamily="34" charset="0"/>
+              </a:rPr>
+              <a:t>International Conference on Machine Learning</a:t>
+            </a:r>
+            <a:r>
+              <a:rPr lang="en-US" sz="1800" dirty="0">
+                <a:solidFill>
+                  <a:schemeClr val="tx1">
+                    <a:lumMod val="65000"/>
+                    <a:lumOff val="35000"/>
+                  </a:schemeClr>
+                </a:solidFill>
+                <a:latin typeface="Domine" panose="02040503040403060204" pitchFamily="18" charset="0"/>
+                <a:ea typeface="Open Sans" panose="020B0606030504020204" pitchFamily="34" charset="0"/>
+                <a:cs typeface="Open Sans" panose="020B0606030504020204" pitchFamily="34" charset="0"/>
+              </a:rPr>
+              <a:t>, pages 127–135, 2013.</a:t>
+            </a:r>
+          </a:p>
+          <a:p>
+            <a:endParaRPr lang="en-US" sz="1800" dirty="0">
+              <a:solidFill>
+                <a:schemeClr val="tx1">
+                  <a:lumMod val="65000"/>
+                  <a:lumOff val="35000"/>
+                </a:schemeClr>
+              </a:solidFill>
+              <a:latin typeface="Domine" panose="02040503040403060204" pitchFamily="18" charset="0"/>
+              <a:ea typeface="Open Sans" panose="020B0606030504020204" pitchFamily="34" charset="0"/>
+              <a:cs typeface="Open Sans" panose="020B0606030504020204" pitchFamily="34" charset="0"/>
+            </a:endParaRPr>
+          </a:p>
+        </p:txBody>
+      </p:sp>
+      <p:sp>
+        <p:nvSpPr>
+          <p:cNvPr id="69" name="TextBox 68">
+            <a:extLst>
+              <a:ext uri="{FF2B5EF4-FFF2-40B4-BE49-F238E27FC236}">
+                <a16:creationId xmlns:a16="http://schemas.microsoft.com/office/drawing/2014/main" id="{58BBA0E2-D6B4-E644-9B29-BEB6D6926E19}"/>
+              </a:ext>
+            </a:extLst>
+          </p:cNvPr>
+          <p:cNvSpPr txBox="1"/>
+          <p:nvPr/>
+        </p:nvSpPr>
+        <p:spPr>
+          <a:xfrm>
+            <a:off x="25167451" y="5713835"/>
+            <a:ext cx="6874704" cy="5909310"/>
+          </a:xfrm>
+          <a:prstGeom prst="rect">
+            <a:avLst/>
+          </a:prstGeom>
+          <a:noFill/>
+        </p:spPr>
+        <p:txBody>
+          <a:bodyPr wrap="square" rtlCol="0">
+            <a:spAutoFit/>
+          </a:bodyPr>
+          <a:lstStyle/>
+          <a:p>
+            <a:r>
+              <a:rPr lang="en-US" sz="1800" dirty="0">
+                <a:solidFill>
+                  <a:schemeClr val="tx1">
+                    <a:lumMod val="65000"/>
+                    <a:lumOff val="35000"/>
+                  </a:schemeClr>
+                </a:solidFill>
+                <a:latin typeface="Domine" panose="02040503040403060204" pitchFamily="18" charset="0"/>
+                <a:ea typeface="Open Sans" panose="020B0606030504020204" pitchFamily="34" charset="0"/>
+                <a:cs typeface="Open Sans" panose="020B0606030504020204" pitchFamily="34" charset="0"/>
+              </a:rPr>
+              <a:t>Our results show clear performance improvements when comparing bandit methods to both the fixed dose baseline and, in the case of </a:t>
+            </a:r>
+            <a:r>
+              <a:rPr lang="en-US" sz="1800" dirty="0" err="1">
+                <a:solidFill>
+                  <a:schemeClr val="tx1">
+                    <a:lumMod val="65000"/>
+                    <a:lumOff val="35000"/>
+                  </a:schemeClr>
+                </a:solidFill>
+                <a:latin typeface="Domine" panose="02040503040403060204" pitchFamily="18" charset="0"/>
+                <a:ea typeface="Open Sans" panose="020B0606030504020204" pitchFamily="34" charset="0"/>
+                <a:cs typeface="Open Sans" panose="020B0606030504020204" pitchFamily="34" charset="0"/>
+              </a:rPr>
+              <a:t>LinUCB</a:t>
+            </a:r>
+            <a:r>
+              <a:rPr lang="en-US" sz="1800" dirty="0">
+                <a:solidFill>
+                  <a:schemeClr val="tx1">
+                    <a:lumMod val="65000"/>
+                    <a:lumOff val="35000"/>
+                  </a:schemeClr>
+                </a:solidFill>
+                <a:latin typeface="Domine" panose="02040503040403060204" pitchFamily="18" charset="0"/>
+                <a:ea typeface="Open Sans" panose="020B0606030504020204" pitchFamily="34" charset="0"/>
+                <a:cs typeface="Open Sans" panose="020B0606030504020204" pitchFamily="34" charset="0"/>
+              </a:rPr>
+              <a:t>, to the clinical dosing algorithm as well. This clearly demonstrates the power of bandit methods for warfarin dose assignment, and suggests that such methods should be further explored to achieve better patient outcomes.</a:t>
+            </a:r>
+          </a:p>
+          <a:p>
+            <a:endParaRPr lang="en-US" sz="1800" dirty="0">
+              <a:solidFill>
+                <a:schemeClr val="tx1">
+                  <a:lumMod val="65000"/>
+                  <a:lumOff val="35000"/>
+                </a:schemeClr>
+              </a:solidFill>
+              <a:latin typeface="Domine" panose="02040503040403060204" pitchFamily="18" charset="0"/>
+              <a:ea typeface="Open Sans" panose="020B0606030504020204" pitchFamily="34" charset="0"/>
+              <a:cs typeface="Open Sans" panose="020B0606030504020204" pitchFamily="34" charset="0"/>
+            </a:endParaRPr>
+          </a:p>
+          <a:p>
+            <a:r>
+              <a:rPr lang="en-US" sz="1800" dirty="0">
+                <a:solidFill>
+                  <a:schemeClr val="tx1">
+                    <a:lumMod val="65000"/>
+                    <a:lumOff val="35000"/>
+                  </a:schemeClr>
+                </a:solidFill>
+                <a:latin typeface="Domine" panose="02040503040403060204" pitchFamily="18" charset="0"/>
+                <a:ea typeface="Open Sans" panose="020B0606030504020204" pitchFamily="34" charset="0"/>
+                <a:cs typeface="Open Sans" panose="020B0606030504020204" pitchFamily="34" charset="0"/>
+              </a:rPr>
+              <a:t>However, there is one key caveat to these results: while </a:t>
+            </a:r>
+            <a:r>
+              <a:rPr lang="en-US" sz="1800" dirty="0" err="1">
+                <a:solidFill>
+                  <a:schemeClr val="tx1">
+                    <a:lumMod val="65000"/>
+                    <a:lumOff val="35000"/>
+                  </a:schemeClr>
+                </a:solidFill>
+                <a:latin typeface="Domine" panose="02040503040403060204" pitchFamily="18" charset="0"/>
+                <a:ea typeface="Open Sans" panose="020B0606030504020204" pitchFamily="34" charset="0"/>
+                <a:cs typeface="Open Sans" panose="020B0606030504020204" pitchFamily="34" charset="0"/>
+              </a:rPr>
+              <a:t>LinUCB</a:t>
+            </a:r>
+            <a:r>
+              <a:rPr lang="en-US" sz="1800" dirty="0">
+                <a:solidFill>
+                  <a:schemeClr val="tx1">
+                    <a:lumMod val="65000"/>
+                    <a:lumOff val="35000"/>
+                  </a:schemeClr>
+                </a:solidFill>
+                <a:latin typeface="Domine" panose="02040503040403060204" pitchFamily="18" charset="0"/>
+                <a:ea typeface="Open Sans" panose="020B0606030504020204" pitchFamily="34" charset="0"/>
+                <a:cs typeface="Open Sans" panose="020B0606030504020204" pitchFamily="34" charset="0"/>
+              </a:rPr>
+              <a:t> outperforms the clinical dosing algorithm by the end of the ”online” training period, it takes nearly 2000 patients before its performance truly matches that of the clinical dosing algorithm. As a result, if this were a truly online setting, several of those patients may have received a lower quality of care than if the clinical dosing algorithm had been applied. This raises ethical considerations regarding potential harm to patients used in training bandit methods, particularly for healthcare applications. This suggests that some degree of offline learning, such as we have performed in this project, is necessary prior to the rollout of a bandit algorithm in such contexts.</a:t>
+            </a:r>
+          </a:p>
+        </p:txBody>
+      </p:sp>
+      <p:sp>
+        <p:nvSpPr>
+          <p:cNvPr id="70" name="TextBox 69">
+            <a:extLst>
+              <a:ext uri="{FF2B5EF4-FFF2-40B4-BE49-F238E27FC236}">
+                <a16:creationId xmlns:a16="http://schemas.microsoft.com/office/drawing/2014/main" id="{B3C4FF56-0435-B644-A0B7-06F4C3D67FA8}"/>
+              </a:ext>
+            </a:extLst>
+          </p:cNvPr>
+          <p:cNvSpPr txBox="1"/>
+          <p:nvPr/>
+        </p:nvSpPr>
+        <p:spPr>
+          <a:xfrm>
+            <a:off x="25204659" y="14322118"/>
+            <a:ext cx="6874704" cy="3416320"/>
+          </a:xfrm>
+          <a:prstGeom prst="rect">
+            <a:avLst/>
+          </a:prstGeom>
+          <a:noFill/>
+        </p:spPr>
+        <p:txBody>
+          <a:bodyPr wrap="square" rtlCol="0">
+            <a:spAutoFit/>
+          </a:bodyPr>
+          <a:lstStyle/>
+          <a:p>
+            <a:r>
+              <a:rPr lang="en-US" sz="1800" dirty="0">
+                <a:solidFill>
+                  <a:schemeClr val="tx1">
+                    <a:lumMod val="65000"/>
+                    <a:lumOff val="35000"/>
+                  </a:schemeClr>
+                </a:solidFill>
+                <a:latin typeface="Domine" panose="02040503040403060204" pitchFamily="18" charset="0"/>
+                <a:ea typeface="Open Sans" panose="020B0606030504020204" pitchFamily="34" charset="0"/>
+                <a:cs typeface="Open Sans" panose="020B0606030504020204" pitchFamily="34" charset="0"/>
+              </a:rPr>
+              <a:t>The key direction of future research in this project is to investigate further implementations of linear bandit models to attempt to close the performance gap between our current optimal implementation, </a:t>
+            </a:r>
+            <a:r>
+              <a:rPr lang="en-US" sz="1800" dirty="0" err="1">
+                <a:solidFill>
+                  <a:schemeClr val="tx1">
+                    <a:lumMod val="65000"/>
+                    <a:lumOff val="35000"/>
+                  </a:schemeClr>
+                </a:solidFill>
+                <a:latin typeface="Domine" panose="02040503040403060204" pitchFamily="18" charset="0"/>
+                <a:ea typeface="Open Sans" panose="020B0606030504020204" pitchFamily="34" charset="0"/>
+                <a:cs typeface="Open Sans" panose="020B0606030504020204" pitchFamily="34" charset="0"/>
+              </a:rPr>
+              <a:t>LinUCB</a:t>
+            </a:r>
+            <a:r>
+              <a:rPr lang="en-US" sz="1800" dirty="0">
+                <a:solidFill>
+                  <a:schemeClr val="tx1">
+                    <a:lumMod val="65000"/>
+                    <a:lumOff val="35000"/>
+                  </a:schemeClr>
+                </a:solidFill>
+                <a:latin typeface="Domine" panose="02040503040403060204" pitchFamily="18" charset="0"/>
+                <a:ea typeface="Open Sans" panose="020B0606030504020204" pitchFamily="34" charset="0"/>
+                <a:cs typeface="Open Sans" panose="020B0606030504020204" pitchFamily="34" charset="0"/>
+              </a:rPr>
+              <a:t>, and the supervised linear bandit. While the latter’s performance presents an upper bound on the potential performance of linear bandit models and likely cannot be replicated by a model that observes only binary rewards, the existing gap suggests that other model formulations may be able to provide better performance. Possible candidates that we have not tested in this project include robust algorithms or regularized linear models. </a:t>
+            </a:r>
+          </a:p>
+        </p:txBody>
+      </p:sp>
     </p:spTree>
     <p:extLst>
       <p:ext uri="{BB962C8B-B14F-4D97-AF65-F5344CB8AC3E}">

--- a/poster.pptx
+++ b/poster.pptx
@@ -2078,7 +2078,7 @@
         <p:spPr>
           <a:xfrm>
             <a:off x="839035" y="5569562"/>
-            <a:ext cx="6874704" cy="5355312"/>
+            <a:ext cx="6874704" cy="5632311"/>
           </a:xfrm>
           <a:prstGeom prst="rect">
             <a:avLst/>
@@ -2132,7 +2132,35 @@
                 <a:ea typeface="Open Sans" panose="020B0606030504020204" pitchFamily="34" charset="0"/>
                 <a:cs typeface="Open Sans" panose="020B0606030504020204" pitchFamily="34" charset="0"/>
               </a:rPr>
-              <a:t>To address this challenge, this project aims to explore the performance of multi-armed bandit algorithms to predict the correct dosage of warfarin without relying on a trial-and-error procedure. Specifically, the project will implement a bandit algorithm that outperforms the fixed-dose baseline and clinical dosing algorithm, and will compare to alternative model formulations.</a:t>
+              <a:t>To address this challenge, this project aims to apply multi-armed bandit algorithms to predict the correct dosage of warfarin without relying on a trial-and-error procedure. Specifically, the project investigates the performance of linear bandit algorithms, demonstrating that </a:t>
+            </a:r>
+            <a:r>
+              <a:rPr lang="en-US" sz="1800" dirty="0" err="1">
+                <a:solidFill>
+                  <a:schemeClr val="tx1">
+                    <a:lumMod val="65000"/>
+                    <a:lumOff val="35000"/>
+                  </a:schemeClr>
+                </a:solidFill>
+                <a:latin typeface="Domine" panose="02040503040403060204" pitchFamily="18" charset="0"/>
+                <a:ea typeface="Open Sans" panose="020B0606030504020204" pitchFamily="34" charset="0"/>
+                <a:cs typeface="Open Sans" panose="020B0606030504020204" pitchFamily="34" charset="0"/>
+              </a:rPr>
+              <a:t>LinUCB</a:t>
+            </a:r>
+            <a:r>
+              <a:rPr lang="en-US" sz="1800" dirty="0">
+                <a:solidFill>
+                  <a:schemeClr val="tx1">
+                    <a:lumMod val="65000"/>
+                    <a:lumOff val="35000"/>
+                  </a:schemeClr>
+                </a:solidFill>
+                <a:latin typeface="Domine" panose="02040503040403060204" pitchFamily="18" charset="0"/>
+                <a:ea typeface="Open Sans" panose="020B0606030504020204" pitchFamily="34" charset="0"/>
+                <a:cs typeface="Open Sans" panose="020B0606030504020204" pitchFamily="34" charset="0"/>
+              </a:rPr>
+              <a:t> outperforms both the fixed and clinical dosing baselines. We also investigate alternative model formulations and assess performance.</a:t>
             </a:r>
           </a:p>
         </p:txBody>
@@ -3043,12 +3071,842 @@
           </a:p>
         </p:txBody>
       </p:sp>
+      <p:sp>
+        <p:nvSpPr>
+          <p:cNvPr id="62" name="TextBox 61">
+            <a:extLst>
+              <a:ext uri="{FF2B5EF4-FFF2-40B4-BE49-F238E27FC236}">
+                <a16:creationId xmlns:a16="http://schemas.microsoft.com/office/drawing/2014/main" id="{BCF2C460-B292-B644-ACD1-12647D9B3D30}"/>
+              </a:ext>
+            </a:extLst>
+          </p:cNvPr>
+          <p:cNvSpPr txBox="1"/>
+          <p:nvPr/>
+        </p:nvSpPr>
+        <p:spPr>
+          <a:xfrm>
+            <a:off x="8936601" y="9161529"/>
+            <a:ext cx="6874704" cy="2308324"/>
+          </a:xfrm>
+          <a:prstGeom prst="rect">
+            <a:avLst/>
+          </a:prstGeom>
+          <a:noFill/>
+        </p:spPr>
+        <p:txBody>
+          <a:bodyPr wrap="square" rtlCol="0">
+            <a:spAutoFit/>
+          </a:bodyPr>
+          <a:lstStyle/>
+          <a:p>
+            <a:r>
+              <a:rPr lang="en-US" sz="1800" dirty="0">
+                <a:solidFill>
+                  <a:schemeClr val="tx1">
+                    <a:lumMod val="65000"/>
+                    <a:lumOff val="35000"/>
+                  </a:schemeClr>
+                </a:solidFill>
+                <a:latin typeface="Domine" panose="02040503040403060204" pitchFamily="18" charset="0"/>
+                <a:ea typeface="Open Sans" panose="020B0606030504020204" pitchFamily="34" charset="0"/>
+                <a:cs typeface="Open Sans" panose="020B0606030504020204" pitchFamily="34" charset="0"/>
+              </a:rPr>
+              <a:t>Our primary bandit algorithm is </a:t>
+            </a:r>
+            <a:r>
+              <a:rPr lang="en-US" sz="1800" dirty="0" err="1">
+                <a:solidFill>
+                  <a:schemeClr val="tx1">
+                    <a:lumMod val="65000"/>
+                    <a:lumOff val="35000"/>
+                  </a:schemeClr>
+                </a:solidFill>
+                <a:latin typeface="Domine" panose="02040503040403060204" pitchFamily="18" charset="0"/>
+                <a:ea typeface="Open Sans" panose="020B0606030504020204" pitchFamily="34" charset="0"/>
+                <a:cs typeface="Open Sans" panose="020B0606030504020204" pitchFamily="34" charset="0"/>
+              </a:rPr>
+              <a:t>LinUCB</a:t>
+            </a:r>
+            <a:r>
+              <a:rPr lang="en-US" sz="1800" dirty="0">
+                <a:solidFill>
+                  <a:schemeClr val="tx1">
+                    <a:lumMod val="65000"/>
+                    <a:lumOff val="35000"/>
+                  </a:schemeClr>
+                </a:solidFill>
+                <a:latin typeface="Domine" panose="02040503040403060204" pitchFamily="18" charset="0"/>
+                <a:ea typeface="Open Sans" panose="020B0606030504020204" pitchFamily="34" charset="0"/>
+                <a:cs typeface="Open Sans" panose="020B0606030504020204" pitchFamily="34" charset="0"/>
+              </a:rPr>
+              <a:t> with disjoint linear models, based on Li et al. (2010). In this model, the optimal patient dose is selected based on a linear function of the patient’s characteristics plus an optimism term to ensure sufficient exploration. In the below equations, D refers to the matrix of past covariates for patients assigned to arm a.</a:t>
+            </a:r>
+          </a:p>
+          <a:p>
+            <a:endParaRPr lang="en-US" sz="1800" dirty="0">
+              <a:solidFill>
+                <a:schemeClr val="tx1">
+                  <a:lumMod val="65000"/>
+                  <a:lumOff val="35000"/>
+                </a:schemeClr>
+              </a:solidFill>
+              <a:latin typeface="Domine" panose="02040503040403060204" pitchFamily="18" charset="0"/>
+              <a:ea typeface="Open Sans" panose="020B0606030504020204" pitchFamily="34" charset="0"/>
+              <a:cs typeface="Open Sans" panose="020B0606030504020204" pitchFamily="34" charset="0"/>
+            </a:endParaRPr>
+          </a:p>
+          <a:p>
+            <a:endParaRPr lang="en-US" sz="1800" dirty="0">
+              <a:solidFill>
+                <a:schemeClr val="tx1">
+                  <a:lumMod val="65000"/>
+                  <a:lumOff val="35000"/>
+                </a:schemeClr>
+              </a:solidFill>
+              <a:latin typeface="Domine" panose="02040503040403060204" pitchFamily="18" charset="0"/>
+              <a:ea typeface="Open Sans" panose="020B0606030504020204" pitchFamily="34" charset="0"/>
+              <a:cs typeface="Open Sans" panose="020B0606030504020204" pitchFamily="34" charset="0"/>
+            </a:endParaRPr>
+          </a:p>
+        </p:txBody>
+      </p:sp>
+      <p:sp>
+        <p:nvSpPr>
+          <p:cNvPr id="63" name="TextBox 62">
+            <a:extLst>
+              <a:ext uri="{FF2B5EF4-FFF2-40B4-BE49-F238E27FC236}">
+                <a16:creationId xmlns:a16="http://schemas.microsoft.com/office/drawing/2014/main" id="{3C7108ED-202D-474E-996F-78061D06C431}"/>
+              </a:ext>
+            </a:extLst>
+          </p:cNvPr>
+          <p:cNvSpPr txBox="1"/>
+          <p:nvPr/>
+        </p:nvSpPr>
+        <p:spPr>
+          <a:xfrm>
+            <a:off x="8936601" y="8775714"/>
+            <a:ext cx="6874704" cy="400110"/>
+          </a:xfrm>
+          <a:prstGeom prst="rect">
+            <a:avLst/>
+          </a:prstGeom>
+          <a:noFill/>
+        </p:spPr>
+        <p:txBody>
+          <a:bodyPr wrap="square" rtlCol="0">
+            <a:spAutoFit/>
+          </a:bodyPr>
+          <a:lstStyle>
+            <a:defPPr>
+              <a:defRPr kern="1200"/>
+            </a:defPPr>
+          </a:lstStyle>
+          <a:p>
+            <a:r>
+              <a:rPr lang="en-US" sz="2000" b="1" dirty="0" err="1">
+                <a:solidFill>
+                  <a:schemeClr val="tx1">
+                    <a:lumMod val="75000"/>
+                    <a:lumOff val="25000"/>
+                  </a:schemeClr>
+                </a:solidFill>
+                <a:latin typeface="Montserrat Extra Bold" panose="00000900000000000000" pitchFamily="50" charset="0"/>
+              </a:rPr>
+              <a:t>LinUCB</a:t>
+            </a:r>
+            <a:r>
+              <a:rPr lang="en-US" sz="2000" b="1" dirty="0">
+                <a:solidFill>
+                  <a:schemeClr val="tx1">
+                    <a:lumMod val="75000"/>
+                    <a:lumOff val="25000"/>
+                  </a:schemeClr>
+                </a:solidFill>
+                <a:latin typeface="Montserrat Extra Bold" panose="00000900000000000000" pitchFamily="50" charset="0"/>
+              </a:rPr>
+              <a:t> with Disjoint Linear Models</a:t>
+            </a:r>
+          </a:p>
+        </p:txBody>
+      </p:sp>
+      <p:sp>
+        <p:nvSpPr>
+          <p:cNvPr id="64" name="TextBox 63">
+            <a:extLst>
+              <a:ext uri="{FF2B5EF4-FFF2-40B4-BE49-F238E27FC236}">
+                <a16:creationId xmlns:a16="http://schemas.microsoft.com/office/drawing/2014/main" id="{A3E4D9C5-31FA-2548-BD18-B2F42B4C3EB7}"/>
+              </a:ext>
+            </a:extLst>
+          </p:cNvPr>
+          <p:cNvSpPr txBox="1"/>
+          <p:nvPr/>
+        </p:nvSpPr>
+        <p:spPr>
+          <a:xfrm>
+            <a:off x="8973064" y="12346604"/>
+            <a:ext cx="6874704" cy="2862322"/>
+          </a:xfrm>
+          <a:prstGeom prst="rect">
+            <a:avLst/>
+          </a:prstGeom>
+          <a:noFill/>
+        </p:spPr>
+        <p:txBody>
+          <a:bodyPr wrap="square" rtlCol="0">
+            <a:spAutoFit/>
+          </a:bodyPr>
+          <a:lstStyle/>
+          <a:p>
+            <a:r>
+              <a:rPr lang="en-US" sz="1800" dirty="0">
+                <a:solidFill>
+                  <a:schemeClr val="tx1">
+                    <a:lumMod val="65000"/>
+                    <a:lumOff val="35000"/>
+                  </a:schemeClr>
+                </a:solidFill>
+                <a:latin typeface="Domine" panose="02040503040403060204" pitchFamily="18" charset="0"/>
+                <a:ea typeface="Open Sans" panose="020B0606030504020204" pitchFamily="34" charset="0"/>
+                <a:cs typeface="Open Sans" panose="020B0606030504020204" pitchFamily="34" charset="0"/>
+              </a:rPr>
+              <a:t>Our second bandit algorithm is Thompson Sampling, applied to contextual bandits with linear payoffs, based on Agrawal &amp; Goyal (2013).. This algorithm works by posterior sampling, where we sample the linear parameter vector from a continuously updating normal distribution, We deviate from the prescribed implementation by giving each arm a separate set of parameters, thereby making it a disjoint setting similar to </a:t>
+            </a:r>
+            <a:r>
+              <a:rPr lang="en-US" sz="1800" dirty="0" err="1">
+                <a:solidFill>
+                  <a:schemeClr val="tx1">
+                    <a:lumMod val="65000"/>
+                    <a:lumOff val="35000"/>
+                  </a:schemeClr>
+                </a:solidFill>
+                <a:latin typeface="Domine" panose="02040503040403060204" pitchFamily="18" charset="0"/>
+                <a:ea typeface="Open Sans" panose="020B0606030504020204" pitchFamily="34" charset="0"/>
+                <a:cs typeface="Open Sans" panose="020B0606030504020204" pitchFamily="34" charset="0"/>
+              </a:rPr>
+              <a:t>LinUCB</a:t>
+            </a:r>
+            <a:r>
+              <a:rPr lang="en-US" sz="1800" dirty="0">
+                <a:solidFill>
+                  <a:schemeClr val="tx1">
+                    <a:lumMod val="65000"/>
+                    <a:lumOff val="35000"/>
+                  </a:schemeClr>
+                </a:solidFill>
+                <a:latin typeface="Domine" panose="02040503040403060204" pitchFamily="18" charset="0"/>
+                <a:ea typeface="Open Sans" panose="020B0606030504020204" pitchFamily="34" charset="0"/>
+                <a:cs typeface="Open Sans" panose="020B0606030504020204" pitchFamily="34" charset="0"/>
+              </a:rPr>
+              <a:t>.</a:t>
+            </a:r>
+          </a:p>
+          <a:p>
+            <a:endParaRPr lang="en-US" sz="1800" dirty="0">
+              <a:solidFill>
+                <a:schemeClr val="tx1">
+                  <a:lumMod val="65000"/>
+                  <a:lumOff val="35000"/>
+                </a:schemeClr>
+              </a:solidFill>
+              <a:latin typeface="Domine" panose="02040503040403060204" pitchFamily="18" charset="0"/>
+              <a:ea typeface="Open Sans" panose="020B0606030504020204" pitchFamily="34" charset="0"/>
+              <a:cs typeface="Open Sans" panose="020B0606030504020204" pitchFamily="34" charset="0"/>
+            </a:endParaRPr>
+          </a:p>
+          <a:p>
+            <a:endParaRPr lang="en-US" sz="1800" dirty="0">
+              <a:solidFill>
+                <a:schemeClr val="tx1">
+                  <a:lumMod val="65000"/>
+                  <a:lumOff val="35000"/>
+                </a:schemeClr>
+              </a:solidFill>
+              <a:latin typeface="Domine" panose="02040503040403060204" pitchFamily="18" charset="0"/>
+              <a:ea typeface="Open Sans" panose="020B0606030504020204" pitchFamily="34" charset="0"/>
+              <a:cs typeface="Open Sans" panose="020B0606030504020204" pitchFamily="34" charset="0"/>
+            </a:endParaRPr>
+          </a:p>
+        </p:txBody>
+      </p:sp>
+      <p:sp>
+        <p:nvSpPr>
+          <p:cNvPr id="65" name="TextBox 64">
+            <a:extLst>
+              <a:ext uri="{FF2B5EF4-FFF2-40B4-BE49-F238E27FC236}">
+                <a16:creationId xmlns:a16="http://schemas.microsoft.com/office/drawing/2014/main" id="{1F50919E-1D61-ED42-BD82-84F736BAE7BF}"/>
+              </a:ext>
+            </a:extLst>
+          </p:cNvPr>
+          <p:cNvSpPr txBox="1"/>
+          <p:nvPr/>
+        </p:nvSpPr>
+        <p:spPr>
+          <a:xfrm>
+            <a:off x="8973064" y="11960789"/>
+            <a:ext cx="6874704" cy="400110"/>
+          </a:xfrm>
+          <a:prstGeom prst="rect">
+            <a:avLst/>
+          </a:prstGeom>
+          <a:noFill/>
+        </p:spPr>
+        <p:txBody>
+          <a:bodyPr wrap="square" rtlCol="0">
+            <a:spAutoFit/>
+          </a:bodyPr>
+          <a:lstStyle>
+            <a:defPPr>
+              <a:defRPr kern="1200"/>
+            </a:defPPr>
+          </a:lstStyle>
+          <a:p>
+            <a:r>
+              <a:rPr lang="en-US" sz="2000" b="1" dirty="0">
+                <a:solidFill>
+                  <a:schemeClr val="tx1">
+                    <a:lumMod val="75000"/>
+                    <a:lumOff val="25000"/>
+                  </a:schemeClr>
+                </a:solidFill>
+                <a:latin typeface="Montserrat Extra Bold" panose="00000900000000000000" pitchFamily="50" charset="0"/>
+              </a:rPr>
+              <a:t>Thompson Sampling</a:t>
+            </a:r>
+          </a:p>
+        </p:txBody>
+      </p:sp>
+      <p:sp>
+        <p:nvSpPr>
+          <p:cNvPr id="66" name="TextBox 65">
+            <a:extLst>
+              <a:ext uri="{FF2B5EF4-FFF2-40B4-BE49-F238E27FC236}">
+                <a16:creationId xmlns:a16="http://schemas.microsoft.com/office/drawing/2014/main" id="{F486202D-6F64-AE4D-B1D6-5824E8EFE1C5}"/>
+              </a:ext>
+            </a:extLst>
+          </p:cNvPr>
+          <p:cNvSpPr txBox="1"/>
+          <p:nvPr/>
+        </p:nvSpPr>
+        <p:spPr>
+          <a:xfrm>
+            <a:off x="8936601" y="17201351"/>
+            <a:ext cx="6874704" cy="2308324"/>
+          </a:xfrm>
+          <a:prstGeom prst="rect">
+            <a:avLst/>
+          </a:prstGeom>
+          <a:noFill/>
+        </p:spPr>
+        <p:txBody>
+          <a:bodyPr wrap="square" rtlCol="0">
+            <a:spAutoFit/>
+          </a:bodyPr>
+          <a:lstStyle/>
+          <a:p>
+            <a:r>
+              <a:rPr lang="en-US" sz="1800" dirty="0">
+                <a:solidFill>
+                  <a:schemeClr val="tx1">
+                    <a:lumMod val="65000"/>
+                    <a:lumOff val="35000"/>
+                  </a:schemeClr>
+                </a:solidFill>
+                <a:latin typeface="Domine" panose="02040503040403060204" pitchFamily="18" charset="0"/>
+                <a:ea typeface="Open Sans" panose="020B0606030504020204" pitchFamily="34" charset="0"/>
+                <a:cs typeface="Open Sans" panose="020B0606030504020204" pitchFamily="34" charset="0"/>
+              </a:rPr>
+              <a:t>Our final algorithm is a supervised linear bandit, which trains a linear model based on all prior observed true warfarin doses, rather than the standard binary reward. By utilizing this extra information, this model should achieve better performance than all others tested, and will set a kind of upper bound on the performance of linear bandit models. </a:t>
+            </a:r>
+          </a:p>
+          <a:p>
+            <a:endParaRPr lang="en-US" sz="1800" dirty="0">
+              <a:solidFill>
+                <a:schemeClr val="tx1">
+                  <a:lumMod val="65000"/>
+                  <a:lumOff val="35000"/>
+                </a:schemeClr>
+              </a:solidFill>
+              <a:latin typeface="Domine" panose="02040503040403060204" pitchFamily="18" charset="0"/>
+              <a:ea typeface="Open Sans" panose="020B0606030504020204" pitchFamily="34" charset="0"/>
+              <a:cs typeface="Open Sans" panose="020B0606030504020204" pitchFamily="34" charset="0"/>
+            </a:endParaRPr>
+          </a:p>
+          <a:p>
+            <a:endParaRPr lang="en-US" sz="1800" dirty="0">
+              <a:solidFill>
+                <a:schemeClr val="tx1">
+                  <a:lumMod val="65000"/>
+                  <a:lumOff val="35000"/>
+                </a:schemeClr>
+              </a:solidFill>
+              <a:latin typeface="Domine" panose="02040503040403060204" pitchFamily="18" charset="0"/>
+              <a:ea typeface="Open Sans" panose="020B0606030504020204" pitchFamily="34" charset="0"/>
+              <a:cs typeface="Open Sans" panose="020B0606030504020204" pitchFamily="34" charset="0"/>
+            </a:endParaRPr>
+          </a:p>
+        </p:txBody>
+      </p:sp>
+      <p:sp>
+        <p:nvSpPr>
+          <p:cNvPr id="67" name="TextBox 66">
+            <a:extLst>
+              <a:ext uri="{FF2B5EF4-FFF2-40B4-BE49-F238E27FC236}">
+                <a16:creationId xmlns:a16="http://schemas.microsoft.com/office/drawing/2014/main" id="{B137B4B7-0EF7-024F-9A39-6C8733D86FC6}"/>
+              </a:ext>
+            </a:extLst>
+          </p:cNvPr>
+          <p:cNvSpPr txBox="1"/>
+          <p:nvPr/>
+        </p:nvSpPr>
+        <p:spPr>
+          <a:xfrm>
+            <a:off x="8936601" y="16815536"/>
+            <a:ext cx="6874704" cy="400110"/>
+          </a:xfrm>
+          <a:prstGeom prst="rect">
+            <a:avLst/>
+          </a:prstGeom>
+          <a:noFill/>
+        </p:spPr>
+        <p:txBody>
+          <a:bodyPr wrap="square" rtlCol="0">
+            <a:spAutoFit/>
+          </a:bodyPr>
+          <a:lstStyle>
+            <a:defPPr>
+              <a:defRPr kern="1200"/>
+            </a:defPPr>
+          </a:lstStyle>
+          <a:p>
+            <a:r>
+              <a:rPr lang="en-US" sz="2000" b="1" dirty="0">
+                <a:solidFill>
+                  <a:schemeClr val="tx1">
+                    <a:lumMod val="75000"/>
+                    <a:lumOff val="25000"/>
+                  </a:schemeClr>
+                </a:solidFill>
+                <a:latin typeface="Montserrat Extra Bold" panose="00000900000000000000" pitchFamily="50" charset="0"/>
+              </a:rPr>
+              <a:t>Supervised Linear Bandit</a:t>
+            </a:r>
+          </a:p>
+        </p:txBody>
+      </p:sp>
+      <p:sp>
+        <p:nvSpPr>
+          <p:cNvPr id="68" name="TextBox 67">
+            <a:extLst>
+              <a:ext uri="{FF2B5EF4-FFF2-40B4-BE49-F238E27FC236}">
+                <a16:creationId xmlns:a16="http://schemas.microsoft.com/office/drawing/2014/main" id="{1CAC4F3D-2FD8-3643-AC3F-553E60C13061}"/>
+              </a:ext>
+            </a:extLst>
+          </p:cNvPr>
+          <p:cNvSpPr txBox="1"/>
+          <p:nvPr/>
+        </p:nvSpPr>
+        <p:spPr>
+          <a:xfrm>
+            <a:off x="17077923" y="19555190"/>
+            <a:ext cx="15001441" cy="2031325"/>
+          </a:xfrm>
+          <a:prstGeom prst="rect">
+            <a:avLst/>
+          </a:prstGeom>
+          <a:noFill/>
+        </p:spPr>
+        <p:txBody>
+          <a:bodyPr wrap="square" rtlCol="0">
+            <a:spAutoFit/>
+          </a:bodyPr>
+          <a:lstStyle/>
+          <a:p>
+            <a:pPr marL="458788" indent="-458788"/>
+            <a:r>
+              <a:rPr lang="en-US" sz="1800" dirty="0">
+                <a:solidFill>
+                  <a:schemeClr val="tx1">
+                    <a:lumMod val="65000"/>
+                    <a:lumOff val="35000"/>
+                  </a:schemeClr>
+                </a:solidFill>
+                <a:latin typeface="Domine" panose="02040503040403060204" pitchFamily="18" charset="0"/>
+                <a:ea typeface="Open Sans" panose="020B0606030504020204" pitchFamily="34" charset="0"/>
+                <a:cs typeface="Open Sans" panose="020B0606030504020204" pitchFamily="34" charset="0"/>
+              </a:rPr>
+              <a:t>I. W. P. Consortium. Estimation of the warfarin dose with clinical and pharmacogenetic data. </a:t>
+            </a:r>
+            <a:r>
+              <a:rPr lang="en-US" sz="1800" i="1" dirty="0">
+                <a:solidFill>
+                  <a:schemeClr val="tx1">
+                    <a:lumMod val="65000"/>
+                    <a:lumOff val="35000"/>
+                  </a:schemeClr>
+                </a:solidFill>
+                <a:latin typeface="Domine" panose="02040503040403060204" pitchFamily="18" charset="0"/>
+                <a:ea typeface="Open Sans" panose="020B0606030504020204" pitchFamily="34" charset="0"/>
+                <a:cs typeface="Open Sans" panose="020B0606030504020204" pitchFamily="34" charset="0"/>
+              </a:rPr>
+              <a:t>New England Journal of Medicine</a:t>
+            </a:r>
+            <a:r>
+              <a:rPr lang="en-US" sz="1800" dirty="0">
+                <a:solidFill>
+                  <a:schemeClr val="tx1">
+                    <a:lumMod val="65000"/>
+                    <a:lumOff val="35000"/>
+                  </a:schemeClr>
+                </a:solidFill>
+                <a:latin typeface="Domine" panose="02040503040403060204" pitchFamily="18" charset="0"/>
+                <a:ea typeface="Open Sans" panose="020B0606030504020204" pitchFamily="34" charset="0"/>
+                <a:cs typeface="Open Sans" panose="020B0606030504020204" pitchFamily="34" charset="0"/>
+              </a:rPr>
+              <a:t>, 360(8):753–764, 2009.</a:t>
+            </a:r>
+          </a:p>
+          <a:p>
+            <a:pPr marL="458788" indent="-458788"/>
+            <a:r>
+              <a:rPr lang="en-US" sz="1800" dirty="0">
+                <a:solidFill>
+                  <a:schemeClr val="tx1">
+                    <a:lumMod val="65000"/>
+                    <a:lumOff val="35000"/>
+                  </a:schemeClr>
+                </a:solidFill>
+                <a:latin typeface="Domine" panose="02040503040403060204" pitchFamily="18" charset="0"/>
+                <a:ea typeface="Open Sans" panose="020B0606030504020204" pitchFamily="34" charset="0"/>
+                <a:cs typeface="Open Sans" panose="020B0606030504020204" pitchFamily="34" charset="0"/>
+              </a:rPr>
+              <a:t>L. Li, W. Chu, J. Langford, and R. E. </a:t>
+            </a:r>
+            <a:r>
+              <a:rPr lang="en-US" sz="1800" dirty="0" err="1">
+                <a:solidFill>
+                  <a:schemeClr val="tx1">
+                    <a:lumMod val="65000"/>
+                    <a:lumOff val="35000"/>
+                  </a:schemeClr>
+                </a:solidFill>
+                <a:latin typeface="Domine" panose="02040503040403060204" pitchFamily="18" charset="0"/>
+                <a:ea typeface="Open Sans" panose="020B0606030504020204" pitchFamily="34" charset="0"/>
+                <a:cs typeface="Open Sans" panose="020B0606030504020204" pitchFamily="34" charset="0"/>
+              </a:rPr>
+              <a:t>Schapire</a:t>
+            </a:r>
+            <a:r>
+              <a:rPr lang="en-US" sz="1800" dirty="0">
+                <a:solidFill>
+                  <a:schemeClr val="tx1">
+                    <a:lumMod val="65000"/>
+                    <a:lumOff val="35000"/>
+                  </a:schemeClr>
+                </a:solidFill>
+                <a:latin typeface="Domine" panose="02040503040403060204" pitchFamily="18" charset="0"/>
+                <a:ea typeface="Open Sans" panose="020B0606030504020204" pitchFamily="34" charset="0"/>
+                <a:cs typeface="Open Sans" panose="020B0606030504020204" pitchFamily="34" charset="0"/>
+              </a:rPr>
+              <a:t>. A contextual-bandit approach to personalized news article recommendation. In </a:t>
+            </a:r>
+            <a:r>
+              <a:rPr lang="en-US" sz="1800" i="1" dirty="0">
+                <a:solidFill>
+                  <a:schemeClr val="tx1">
+                    <a:lumMod val="65000"/>
+                    <a:lumOff val="35000"/>
+                  </a:schemeClr>
+                </a:solidFill>
+                <a:latin typeface="Domine" panose="02040503040403060204" pitchFamily="18" charset="0"/>
+                <a:ea typeface="Open Sans" panose="020B0606030504020204" pitchFamily="34" charset="0"/>
+                <a:cs typeface="Open Sans" panose="020B0606030504020204" pitchFamily="34" charset="0"/>
+              </a:rPr>
+              <a:t>Proceedings          of the 19th international conference on World wide web</a:t>
+            </a:r>
+            <a:r>
+              <a:rPr lang="en-US" sz="1800" dirty="0">
+                <a:solidFill>
+                  <a:schemeClr val="tx1">
+                    <a:lumMod val="65000"/>
+                    <a:lumOff val="35000"/>
+                  </a:schemeClr>
+                </a:solidFill>
+                <a:latin typeface="Domine" panose="02040503040403060204" pitchFamily="18" charset="0"/>
+                <a:ea typeface="Open Sans" panose="020B0606030504020204" pitchFamily="34" charset="0"/>
+                <a:cs typeface="Open Sans" panose="020B0606030504020204" pitchFamily="34" charset="0"/>
+              </a:rPr>
+              <a:t>, pages 661–670, 2010.</a:t>
+            </a:r>
+          </a:p>
+          <a:p>
+            <a:pPr marL="458788" indent="-458788"/>
+            <a:r>
+              <a:rPr lang="en-US" sz="1800" dirty="0">
+                <a:solidFill>
+                  <a:schemeClr val="tx1">
+                    <a:lumMod val="65000"/>
+                    <a:lumOff val="35000"/>
+                  </a:schemeClr>
+                </a:solidFill>
+                <a:latin typeface="Domine" panose="02040503040403060204" pitchFamily="18" charset="0"/>
+                <a:ea typeface="Open Sans" panose="020B0606030504020204" pitchFamily="34" charset="0"/>
+                <a:cs typeface="Open Sans" panose="020B0606030504020204" pitchFamily="34" charset="0"/>
+              </a:rPr>
+              <a:t>S. Agrawal and N. Goyal. Thompson sampling for contextual bandits with linear payoffs. In </a:t>
+            </a:r>
+            <a:r>
+              <a:rPr lang="en-US" sz="1800" i="1" dirty="0">
+                <a:solidFill>
+                  <a:schemeClr val="tx1">
+                    <a:lumMod val="65000"/>
+                    <a:lumOff val="35000"/>
+                  </a:schemeClr>
+                </a:solidFill>
+                <a:latin typeface="Domine" panose="02040503040403060204" pitchFamily="18" charset="0"/>
+                <a:ea typeface="Open Sans" panose="020B0606030504020204" pitchFamily="34" charset="0"/>
+                <a:cs typeface="Open Sans" panose="020B0606030504020204" pitchFamily="34" charset="0"/>
+              </a:rPr>
+              <a:t>International Conference on Machine Learning</a:t>
+            </a:r>
+            <a:r>
+              <a:rPr lang="en-US" sz="1800" dirty="0">
+                <a:solidFill>
+                  <a:schemeClr val="tx1">
+                    <a:lumMod val="65000"/>
+                    <a:lumOff val="35000"/>
+                  </a:schemeClr>
+                </a:solidFill>
+                <a:latin typeface="Domine" panose="02040503040403060204" pitchFamily="18" charset="0"/>
+                <a:ea typeface="Open Sans" panose="020B0606030504020204" pitchFamily="34" charset="0"/>
+                <a:cs typeface="Open Sans" panose="020B0606030504020204" pitchFamily="34" charset="0"/>
+              </a:rPr>
+              <a:t>, pages 127–135, 2013.</a:t>
+            </a:r>
+          </a:p>
+          <a:p>
+            <a:endParaRPr lang="en-US" sz="1800" dirty="0">
+              <a:solidFill>
+                <a:schemeClr val="tx1">
+                  <a:lumMod val="65000"/>
+                  <a:lumOff val="35000"/>
+                </a:schemeClr>
+              </a:solidFill>
+              <a:latin typeface="Domine" panose="02040503040403060204" pitchFamily="18" charset="0"/>
+              <a:ea typeface="Open Sans" panose="020B0606030504020204" pitchFamily="34" charset="0"/>
+              <a:cs typeface="Open Sans" panose="020B0606030504020204" pitchFamily="34" charset="0"/>
+            </a:endParaRPr>
+          </a:p>
+        </p:txBody>
+      </p:sp>
+      <p:sp>
+        <p:nvSpPr>
+          <p:cNvPr id="69" name="TextBox 68">
+            <a:extLst>
+              <a:ext uri="{FF2B5EF4-FFF2-40B4-BE49-F238E27FC236}">
+                <a16:creationId xmlns:a16="http://schemas.microsoft.com/office/drawing/2014/main" id="{58BBA0E2-D6B4-E644-9B29-BEB6D6926E19}"/>
+              </a:ext>
+            </a:extLst>
+          </p:cNvPr>
+          <p:cNvSpPr txBox="1"/>
+          <p:nvPr/>
+        </p:nvSpPr>
+        <p:spPr>
+          <a:xfrm>
+            <a:off x="25167451" y="5713835"/>
+            <a:ext cx="6874704" cy="5909310"/>
+          </a:xfrm>
+          <a:prstGeom prst="rect">
+            <a:avLst/>
+          </a:prstGeom>
+          <a:noFill/>
+        </p:spPr>
+        <p:txBody>
+          <a:bodyPr wrap="square" rtlCol="0">
+            <a:spAutoFit/>
+          </a:bodyPr>
+          <a:lstStyle/>
+          <a:p>
+            <a:r>
+              <a:rPr lang="en-US" sz="1800" dirty="0">
+                <a:solidFill>
+                  <a:schemeClr val="tx1">
+                    <a:lumMod val="65000"/>
+                    <a:lumOff val="35000"/>
+                  </a:schemeClr>
+                </a:solidFill>
+                <a:latin typeface="Domine" panose="02040503040403060204" pitchFamily="18" charset="0"/>
+                <a:ea typeface="Open Sans" panose="020B0606030504020204" pitchFamily="34" charset="0"/>
+                <a:cs typeface="Open Sans" panose="020B0606030504020204" pitchFamily="34" charset="0"/>
+              </a:rPr>
+              <a:t>Our results show clear performance improvements when comparing bandit methods to both the fixed dose baseline and, in the case of </a:t>
+            </a:r>
+            <a:r>
+              <a:rPr lang="en-US" sz="1800" dirty="0" err="1">
+                <a:solidFill>
+                  <a:schemeClr val="tx1">
+                    <a:lumMod val="65000"/>
+                    <a:lumOff val="35000"/>
+                  </a:schemeClr>
+                </a:solidFill>
+                <a:latin typeface="Domine" panose="02040503040403060204" pitchFamily="18" charset="0"/>
+                <a:ea typeface="Open Sans" panose="020B0606030504020204" pitchFamily="34" charset="0"/>
+                <a:cs typeface="Open Sans" panose="020B0606030504020204" pitchFamily="34" charset="0"/>
+              </a:rPr>
+              <a:t>LinUCB</a:t>
+            </a:r>
+            <a:r>
+              <a:rPr lang="en-US" sz="1800" dirty="0">
+                <a:solidFill>
+                  <a:schemeClr val="tx1">
+                    <a:lumMod val="65000"/>
+                    <a:lumOff val="35000"/>
+                  </a:schemeClr>
+                </a:solidFill>
+                <a:latin typeface="Domine" panose="02040503040403060204" pitchFamily="18" charset="0"/>
+                <a:ea typeface="Open Sans" panose="020B0606030504020204" pitchFamily="34" charset="0"/>
+                <a:cs typeface="Open Sans" panose="020B0606030504020204" pitchFamily="34" charset="0"/>
+              </a:rPr>
+              <a:t>, to the clinical dosing algorithm as well. This clearly demonstrates the power of bandit methods for warfarin dose assignment, and suggests that such methods should be further explored to achieve better patient outcomes.</a:t>
+            </a:r>
+          </a:p>
+          <a:p>
+            <a:endParaRPr lang="en-US" sz="1800" dirty="0">
+              <a:solidFill>
+                <a:schemeClr val="tx1">
+                  <a:lumMod val="65000"/>
+                  <a:lumOff val="35000"/>
+                </a:schemeClr>
+              </a:solidFill>
+              <a:latin typeface="Domine" panose="02040503040403060204" pitchFamily="18" charset="0"/>
+              <a:ea typeface="Open Sans" panose="020B0606030504020204" pitchFamily="34" charset="0"/>
+              <a:cs typeface="Open Sans" panose="020B0606030504020204" pitchFamily="34" charset="0"/>
+            </a:endParaRPr>
+          </a:p>
+          <a:p>
+            <a:r>
+              <a:rPr lang="en-US" sz="1800" dirty="0">
+                <a:solidFill>
+                  <a:schemeClr val="tx1">
+                    <a:lumMod val="65000"/>
+                    <a:lumOff val="35000"/>
+                  </a:schemeClr>
+                </a:solidFill>
+                <a:latin typeface="Domine" panose="02040503040403060204" pitchFamily="18" charset="0"/>
+                <a:ea typeface="Open Sans" panose="020B0606030504020204" pitchFamily="34" charset="0"/>
+                <a:cs typeface="Open Sans" panose="020B0606030504020204" pitchFamily="34" charset="0"/>
+              </a:rPr>
+              <a:t>However, there is one key caveat to these results: while </a:t>
+            </a:r>
+            <a:r>
+              <a:rPr lang="en-US" sz="1800" dirty="0" err="1">
+                <a:solidFill>
+                  <a:schemeClr val="tx1">
+                    <a:lumMod val="65000"/>
+                    <a:lumOff val="35000"/>
+                  </a:schemeClr>
+                </a:solidFill>
+                <a:latin typeface="Domine" panose="02040503040403060204" pitchFamily="18" charset="0"/>
+                <a:ea typeface="Open Sans" panose="020B0606030504020204" pitchFamily="34" charset="0"/>
+                <a:cs typeface="Open Sans" panose="020B0606030504020204" pitchFamily="34" charset="0"/>
+              </a:rPr>
+              <a:t>LinUCB</a:t>
+            </a:r>
+            <a:r>
+              <a:rPr lang="en-US" sz="1800" dirty="0">
+                <a:solidFill>
+                  <a:schemeClr val="tx1">
+                    <a:lumMod val="65000"/>
+                    <a:lumOff val="35000"/>
+                  </a:schemeClr>
+                </a:solidFill>
+                <a:latin typeface="Domine" panose="02040503040403060204" pitchFamily="18" charset="0"/>
+                <a:ea typeface="Open Sans" panose="020B0606030504020204" pitchFamily="34" charset="0"/>
+                <a:cs typeface="Open Sans" panose="020B0606030504020204" pitchFamily="34" charset="0"/>
+              </a:rPr>
+              <a:t> outperforms the clinical dosing algorithm by the end of the ”online” training period, it takes nearly 2000 patients before its performance truly matches that of the clinical dosing algorithm. As a result, if this were a truly online setting, several of those patients may have received a lower quality of care than if the clinical dosing algorithm had been applied. This raises ethical considerations regarding potential harm to patients used in training bandit methods, particularly for healthcare applications. This suggests that some degree of offline learning, such as we have performed in this project, is necessary prior to the rollout of a bandit algorithm in such contexts.</a:t>
+            </a:r>
+          </a:p>
+        </p:txBody>
+      </p:sp>
+      <p:sp>
+        <p:nvSpPr>
+          <p:cNvPr id="70" name="TextBox 69">
+            <a:extLst>
+              <a:ext uri="{FF2B5EF4-FFF2-40B4-BE49-F238E27FC236}">
+                <a16:creationId xmlns:a16="http://schemas.microsoft.com/office/drawing/2014/main" id="{B3C4FF56-0435-B644-A0B7-06F4C3D67FA8}"/>
+              </a:ext>
+            </a:extLst>
+          </p:cNvPr>
+          <p:cNvSpPr txBox="1"/>
+          <p:nvPr/>
+        </p:nvSpPr>
+        <p:spPr>
+          <a:xfrm>
+            <a:off x="25204659" y="14322118"/>
+            <a:ext cx="6874704" cy="3416320"/>
+          </a:xfrm>
+          <a:prstGeom prst="rect">
+            <a:avLst/>
+          </a:prstGeom>
+          <a:noFill/>
+        </p:spPr>
+        <p:txBody>
+          <a:bodyPr wrap="square" rtlCol="0">
+            <a:spAutoFit/>
+          </a:bodyPr>
+          <a:lstStyle/>
+          <a:p>
+            <a:r>
+              <a:rPr lang="en-US" sz="1800" dirty="0">
+                <a:solidFill>
+                  <a:schemeClr val="tx1">
+                    <a:lumMod val="65000"/>
+                    <a:lumOff val="35000"/>
+                  </a:schemeClr>
+                </a:solidFill>
+                <a:latin typeface="Domine" panose="02040503040403060204" pitchFamily="18" charset="0"/>
+                <a:ea typeface="Open Sans" panose="020B0606030504020204" pitchFamily="34" charset="0"/>
+                <a:cs typeface="Open Sans" panose="020B0606030504020204" pitchFamily="34" charset="0"/>
+              </a:rPr>
+              <a:t>The key direction of future research in this project is to investigate further implementations of linear bandit models to attempt to close the performance gap between our current optimal implementation, </a:t>
+            </a:r>
+            <a:r>
+              <a:rPr lang="en-US" sz="1800" dirty="0" err="1">
+                <a:solidFill>
+                  <a:schemeClr val="tx1">
+                    <a:lumMod val="65000"/>
+                    <a:lumOff val="35000"/>
+                  </a:schemeClr>
+                </a:solidFill>
+                <a:latin typeface="Domine" panose="02040503040403060204" pitchFamily="18" charset="0"/>
+                <a:ea typeface="Open Sans" panose="020B0606030504020204" pitchFamily="34" charset="0"/>
+                <a:cs typeface="Open Sans" panose="020B0606030504020204" pitchFamily="34" charset="0"/>
+              </a:rPr>
+              <a:t>LinUCB</a:t>
+            </a:r>
+            <a:r>
+              <a:rPr lang="en-US" sz="1800" dirty="0">
+                <a:solidFill>
+                  <a:schemeClr val="tx1">
+                    <a:lumMod val="65000"/>
+                    <a:lumOff val="35000"/>
+                  </a:schemeClr>
+                </a:solidFill>
+                <a:latin typeface="Domine" panose="02040503040403060204" pitchFamily="18" charset="0"/>
+                <a:ea typeface="Open Sans" panose="020B0606030504020204" pitchFamily="34" charset="0"/>
+                <a:cs typeface="Open Sans" panose="020B0606030504020204" pitchFamily="34" charset="0"/>
+              </a:rPr>
+              <a:t>, and the supervised linear bandit. While the latter’s performance presents an upper bound on the potential performance of linear bandit models and likely cannot be replicated by a model that observes only binary rewards, the existing gap suggests that other model formulations may be able to provide better performance. Possible candidates that we have not tested in this project include robust algorithms or regularized linear models. </a:t>
+            </a:r>
+          </a:p>
+        </p:txBody>
+      </p:sp>
       <p:pic>
         <p:nvPicPr>
-          <p:cNvPr id="26" name="Picture 25" descr="Text&#10;&#10;Description automatically generated with low confidence">
+          <p:cNvPr id="29" name="Picture 28" descr="A picture containing text&#10;&#10;Description automatically generated">
             <a:extLst>
               <a:ext uri="{FF2B5EF4-FFF2-40B4-BE49-F238E27FC236}">
-                <a16:creationId xmlns:a16="http://schemas.microsoft.com/office/drawing/2014/main" id="{E9ECCF75-B612-0E48-A6C2-2CD1B237AE53}"/>
+                <a16:creationId xmlns:a16="http://schemas.microsoft.com/office/drawing/2014/main" id="{55097F05-EF1D-4D4B-9EE7-4D384587D596}"/>
               </a:ext>
             </a:extLst>
           </p:cNvPr>
@@ -3071,8 +3929,188 @@
         </p:blipFill>
         <p:spPr>
           <a:xfrm>
-            <a:off x="10601425" y="7772615"/>
-            <a:ext cx="3548528" cy="1636266"/>
+            <a:off x="9032868" y="10957887"/>
+            <a:ext cx="3924135" cy="784827"/>
+          </a:xfrm>
+          <a:prstGeom prst="rect">
+            <a:avLst/>
+          </a:prstGeom>
+        </p:spPr>
+      </p:pic>
+      <p:pic>
+        <p:nvPicPr>
+          <p:cNvPr id="31" name="Picture 30">
+            <a:extLst>
+              <a:ext uri="{FF2B5EF4-FFF2-40B4-BE49-F238E27FC236}">
+                <a16:creationId xmlns:a16="http://schemas.microsoft.com/office/drawing/2014/main" id="{3CDE4F27-5729-4749-BC67-10788A5A563C}"/>
+              </a:ext>
+            </a:extLst>
+          </p:cNvPr>
+          <p:cNvPicPr>
+            <a:picLocks noChangeAspect="1"/>
+          </p:cNvPicPr>
+          <p:nvPr/>
+        </p:nvPicPr>
+        <p:blipFill>
+          <a:blip r:embed="rId9">
+            <a:extLst>
+              <a:ext uri="{28A0092B-C50C-407E-A947-70E740481C1C}">
+                <a14:useLocalDpi xmlns:a14="http://schemas.microsoft.com/office/drawing/2010/main" val="0"/>
+              </a:ext>
+            </a:extLst>
+          </a:blip>
+          <a:stretch>
+            <a:fillRect/>
+          </a:stretch>
+        </p:blipFill>
+        <p:spPr>
+          <a:xfrm>
+            <a:off x="13204820" y="11065836"/>
+            <a:ext cx="2702403" cy="568927"/>
+          </a:xfrm>
+          <a:prstGeom prst="rect">
+            <a:avLst/>
+          </a:prstGeom>
+        </p:spPr>
+      </p:pic>
+      <p:pic>
+        <p:nvPicPr>
+          <p:cNvPr id="36" name="Picture 35">
+            <a:extLst>
+              <a:ext uri="{FF2B5EF4-FFF2-40B4-BE49-F238E27FC236}">
+                <a16:creationId xmlns:a16="http://schemas.microsoft.com/office/drawing/2014/main" id="{6FFE10CC-8585-664E-9893-D3A8F137B931}"/>
+              </a:ext>
+            </a:extLst>
+          </p:cNvPr>
+          <p:cNvPicPr>
+            <a:picLocks noChangeAspect="1"/>
+          </p:cNvPicPr>
+          <p:nvPr/>
+        </p:nvPicPr>
+        <p:blipFill>
+          <a:blip r:embed="rId10">
+            <a:extLst>
+              <a:ext uri="{28A0092B-C50C-407E-A947-70E740481C1C}">
+                <a14:useLocalDpi xmlns:a14="http://schemas.microsoft.com/office/drawing/2010/main" val="0"/>
+              </a:ext>
+            </a:extLst>
+          </a:blip>
+          <a:stretch>
+            <a:fillRect/>
+          </a:stretch>
+        </p:blipFill>
+        <p:spPr>
+          <a:xfrm>
+            <a:off x="8636622" y="7804458"/>
+            <a:ext cx="7562175" cy="663186"/>
+          </a:xfrm>
+          <a:prstGeom prst="rect">
+            <a:avLst/>
+          </a:prstGeom>
+        </p:spPr>
+      </p:pic>
+      <p:pic>
+        <p:nvPicPr>
+          <p:cNvPr id="38" name="Picture 37" descr="Text&#10;&#10;Description automatically generated">
+            <a:extLst>
+              <a:ext uri="{FF2B5EF4-FFF2-40B4-BE49-F238E27FC236}">
+                <a16:creationId xmlns:a16="http://schemas.microsoft.com/office/drawing/2014/main" id="{DBE01D8D-B1B6-294A-B4BA-68BFA9176700}"/>
+              </a:ext>
+            </a:extLst>
+          </p:cNvPr>
+          <p:cNvPicPr>
+            <a:picLocks noChangeAspect="1"/>
+          </p:cNvPicPr>
+          <p:nvPr/>
+        </p:nvPicPr>
+        <p:blipFill>
+          <a:blip r:embed="rId11">
+            <a:extLst>
+              <a:ext uri="{28A0092B-C50C-407E-A947-70E740481C1C}">
+                <a14:useLocalDpi xmlns:a14="http://schemas.microsoft.com/office/drawing/2010/main" val="0"/>
+              </a:ext>
+            </a:extLst>
+          </a:blip>
+          <a:stretch>
+            <a:fillRect/>
+          </a:stretch>
+        </p:blipFill>
+        <p:spPr>
+          <a:xfrm>
+            <a:off x="8800840" y="14908902"/>
+            <a:ext cx="3776130" cy="1497431"/>
+          </a:xfrm>
+          <a:prstGeom prst="rect">
+            <a:avLst/>
+          </a:prstGeom>
+        </p:spPr>
+      </p:pic>
+      <p:pic>
+        <p:nvPicPr>
+          <p:cNvPr id="50" name="Picture 49" descr="Text&#10;&#10;Description automatically generated">
+            <a:extLst>
+              <a:ext uri="{FF2B5EF4-FFF2-40B4-BE49-F238E27FC236}">
+                <a16:creationId xmlns:a16="http://schemas.microsoft.com/office/drawing/2014/main" id="{9B5FFB27-2C64-5C40-8478-FE6A60AD2908}"/>
+              </a:ext>
+            </a:extLst>
+          </p:cNvPr>
+          <p:cNvPicPr>
+            <a:picLocks noChangeAspect="1"/>
+          </p:cNvPicPr>
+          <p:nvPr/>
+        </p:nvPicPr>
+        <p:blipFill>
+          <a:blip r:embed="rId12">
+            <a:extLst>
+              <a:ext uri="{28A0092B-C50C-407E-A947-70E740481C1C}">
+                <a14:useLocalDpi xmlns:a14="http://schemas.microsoft.com/office/drawing/2010/main" val="0"/>
+              </a:ext>
+            </a:extLst>
+          </a:blip>
+          <a:stretch>
+            <a:fillRect/>
+          </a:stretch>
+        </p:blipFill>
+        <p:spPr>
+          <a:xfrm>
+            <a:off x="12572892" y="14896387"/>
+            <a:ext cx="3502198" cy="765186"/>
+          </a:xfrm>
+          <a:prstGeom prst="rect">
+            <a:avLst/>
+          </a:prstGeom>
+        </p:spPr>
+      </p:pic>
+      <p:pic>
+        <p:nvPicPr>
+          <p:cNvPr id="53" name="Picture 52">
+            <a:extLst>
+              <a:ext uri="{FF2B5EF4-FFF2-40B4-BE49-F238E27FC236}">
+                <a16:creationId xmlns:a16="http://schemas.microsoft.com/office/drawing/2014/main" id="{535EE24F-B690-3547-AC3F-0824C4B72454}"/>
+              </a:ext>
+            </a:extLst>
+          </p:cNvPr>
+          <p:cNvPicPr>
+            <a:picLocks noChangeAspect="1"/>
+          </p:cNvPicPr>
+          <p:nvPr/>
+        </p:nvPicPr>
+        <p:blipFill>
+          <a:blip r:embed="rId13">
+            <a:extLst>
+              <a:ext uri="{28A0092B-C50C-407E-A947-70E740481C1C}">
+                <a14:useLocalDpi xmlns:a14="http://schemas.microsoft.com/office/drawing/2010/main" val="0"/>
+              </a:ext>
+            </a:extLst>
+          </a:blip>
+          <a:stretch>
+            <a:fillRect/>
+          </a:stretch>
+        </p:blipFill>
+        <p:spPr>
+          <a:xfrm>
+            <a:off x="12572892" y="15657617"/>
+            <a:ext cx="3060969" cy="742053"/>
           </a:xfrm>
           <a:prstGeom prst="rect">
             <a:avLst/>
@@ -3081,834 +4119,130 @@
       </p:pic>
       <p:sp>
         <p:nvSpPr>
-          <p:cNvPr id="62" name="TextBox 61">
+          <p:cNvPr id="74" name="Rectangle 73">
             <a:extLst>
               <a:ext uri="{FF2B5EF4-FFF2-40B4-BE49-F238E27FC236}">
-                <a16:creationId xmlns:a16="http://schemas.microsoft.com/office/drawing/2014/main" id="{BCF2C460-B292-B644-ACD1-12647D9B3D30}"/>
+                <a16:creationId xmlns:a16="http://schemas.microsoft.com/office/drawing/2014/main" id="{4A14568C-A52A-6E44-85CE-A0EFA5865863}"/>
               </a:ext>
             </a:extLst>
           </p:cNvPr>
-          <p:cNvSpPr txBox="1"/>
+          <p:cNvSpPr/>
           <p:nvPr/>
         </p:nvSpPr>
         <p:spPr>
           <a:xfrm>
-            <a:off x="8936601" y="10014969"/>
-            <a:ext cx="6874704" cy="2031325"/>
+            <a:off x="15633861" y="15657617"/>
+            <a:ext cx="441229" cy="742053"/>
           </a:xfrm>
           <a:prstGeom prst="rect">
             <a:avLst/>
           </a:prstGeom>
-          <a:noFill/>
-        </p:spPr>
+          <a:solidFill>
+            <a:schemeClr val="bg1"/>
+          </a:solidFill>
+          <a:ln>
+            <a:solidFill>
+              <a:schemeClr val="bg1"/>
+            </a:solidFill>
+          </a:ln>
+        </p:spPr>
+        <p:style>
+          <a:lnRef idx="2">
+            <a:schemeClr val="accent1">
+              <a:shade val="50000"/>
+            </a:schemeClr>
+          </a:lnRef>
+          <a:fillRef idx="1">
+            <a:schemeClr val="accent1"/>
+          </a:fillRef>
+          <a:effectRef idx="0">
+            <a:schemeClr val="accent1"/>
+          </a:effectRef>
+          <a:fontRef idx="minor">
+            <a:schemeClr val="lt1"/>
+          </a:fontRef>
+        </p:style>
         <p:txBody>
-          <a:bodyPr wrap="square" rtlCol="0">
-            <a:spAutoFit/>
-          </a:bodyPr>
+          <a:bodyPr rtlCol="0" anchor="ctr"/>
           <a:lstStyle/>
           <a:p>
-            <a:r>
-              <a:rPr lang="en-US" sz="1800" dirty="0">
-                <a:solidFill>
-                  <a:schemeClr val="tx1">
-                    <a:lumMod val="65000"/>
-                    <a:lumOff val="35000"/>
-                  </a:schemeClr>
-                </a:solidFill>
-                <a:latin typeface="Domine" panose="02040503040403060204" pitchFamily="18" charset="0"/>
-                <a:ea typeface="Open Sans" panose="020B0606030504020204" pitchFamily="34" charset="0"/>
-                <a:cs typeface="Open Sans" panose="020B0606030504020204" pitchFamily="34" charset="0"/>
-              </a:rPr>
-              <a:t>Our primary bandit algorithm is </a:t>
-            </a:r>
-            <a:r>
-              <a:rPr lang="en-US" sz="1800" dirty="0" err="1">
-                <a:solidFill>
-                  <a:schemeClr val="tx1">
-                    <a:lumMod val="65000"/>
-                    <a:lumOff val="35000"/>
-                  </a:schemeClr>
-                </a:solidFill>
-                <a:latin typeface="Domine" panose="02040503040403060204" pitchFamily="18" charset="0"/>
-                <a:ea typeface="Open Sans" panose="020B0606030504020204" pitchFamily="34" charset="0"/>
-                <a:cs typeface="Open Sans" panose="020B0606030504020204" pitchFamily="34" charset="0"/>
-              </a:rPr>
-              <a:t>LinUCB</a:t>
-            </a:r>
-            <a:r>
-              <a:rPr lang="en-US" sz="1800" dirty="0">
-                <a:solidFill>
-                  <a:schemeClr val="tx1">
-                    <a:lumMod val="65000"/>
-                    <a:lumOff val="35000"/>
-                  </a:schemeClr>
-                </a:solidFill>
-                <a:latin typeface="Domine" panose="02040503040403060204" pitchFamily="18" charset="0"/>
-                <a:ea typeface="Open Sans" panose="020B0606030504020204" pitchFamily="34" charset="0"/>
-                <a:cs typeface="Open Sans" panose="020B0606030504020204" pitchFamily="34" charset="0"/>
-              </a:rPr>
-              <a:t> with disjoint linear models, based on Li et al. (2010). In this model, the optimal patient dose is selected based on a linear function of the patient’s characteristics plus an optimism term to ensure sufficient exploration. </a:t>
-            </a:r>
-          </a:p>
-          <a:p>
-            <a:endParaRPr lang="en-US" sz="1800" dirty="0">
-              <a:solidFill>
-                <a:schemeClr val="tx1">
-                  <a:lumMod val="65000"/>
-                  <a:lumOff val="35000"/>
-                </a:schemeClr>
-              </a:solidFill>
-              <a:latin typeface="Domine" panose="02040503040403060204" pitchFamily="18" charset="0"/>
-              <a:ea typeface="Open Sans" panose="020B0606030504020204" pitchFamily="34" charset="0"/>
-              <a:cs typeface="Open Sans" panose="020B0606030504020204" pitchFamily="34" charset="0"/>
-            </a:endParaRPr>
-          </a:p>
-          <a:p>
-            <a:endParaRPr lang="en-US" sz="1800" dirty="0">
-              <a:solidFill>
-                <a:schemeClr val="tx1">
-                  <a:lumMod val="65000"/>
-                  <a:lumOff val="35000"/>
-                </a:schemeClr>
-              </a:solidFill>
-              <a:latin typeface="Domine" panose="02040503040403060204" pitchFamily="18" charset="0"/>
-              <a:ea typeface="Open Sans" panose="020B0606030504020204" pitchFamily="34" charset="0"/>
-              <a:cs typeface="Open Sans" panose="020B0606030504020204" pitchFamily="34" charset="0"/>
-            </a:endParaRPr>
+            <a:pPr algn="ctr"/>
+            <a:endParaRPr lang="en-US"/>
           </a:p>
         </p:txBody>
       </p:sp>
-      <p:sp>
-        <p:nvSpPr>
-          <p:cNvPr id="63" name="TextBox 62">
+      <p:pic>
+        <p:nvPicPr>
+          <p:cNvPr id="76" name="Picture 75">
             <a:extLst>
               <a:ext uri="{FF2B5EF4-FFF2-40B4-BE49-F238E27FC236}">
-                <a16:creationId xmlns:a16="http://schemas.microsoft.com/office/drawing/2014/main" id="{3C7108ED-202D-474E-996F-78061D06C431}"/>
+                <a16:creationId xmlns:a16="http://schemas.microsoft.com/office/drawing/2014/main" id="{317F1F76-3F33-E848-BF47-BBFA220E9726}"/>
               </a:ext>
             </a:extLst>
           </p:cNvPr>
-          <p:cNvSpPr txBox="1"/>
+          <p:cNvPicPr>
+            <a:picLocks noChangeAspect="1"/>
+          </p:cNvPicPr>
           <p:nvPr/>
-        </p:nvSpPr>
-        <p:spPr>
-          <a:xfrm>
-            <a:off x="8936601" y="9629154"/>
-            <a:ext cx="6874704" cy="400110"/>
+        </p:nvPicPr>
+        <p:blipFill>
+          <a:blip r:embed="rId14">
+            <a:extLst>
+              <a:ext uri="{28A0092B-C50C-407E-A947-70E740481C1C}">
+                <a14:useLocalDpi xmlns:a14="http://schemas.microsoft.com/office/drawing/2010/main" val="0"/>
+              </a:ext>
+            </a:extLst>
+          </a:blip>
+          <a:stretch>
+            <a:fillRect/>
+          </a:stretch>
+        </p:blipFill>
+        <p:spPr>
+          <a:xfrm>
+            <a:off x="10850147" y="19137469"/>
+            <a:ext cx="2987774" cy="738551"/>
           </a:xfrm>
           <a:prstGeom prst="rect">
             <a:avLst/>
           </a:prstGeom>
-          <a:noFill/>
-        </p:spPr>
-        <p:txBody>
-          <a:bodyPr wrap="square" rtlCol="0">
-            <a:spAutoFit/>
-          </a:bodyPr>
-          <a:lstStyle>
-            <a:defPPr>
-              <a:defRPr kern="1200"/>
-            </a:defPPr>
-          </a:lstStyle>
-          <a:p>
-            <a:r>
-              <a:rPr lang="en-US" sz="2000" b="1" dirty="0" err="1">
-                <a:solidFill>
-                  <a:schemeClr val="tx1">
-                    <a:lumMod val="75000"/>
-                    <a:lumOff val="25000"/>
-                  </a:schemeClr>
-                </a:solidFill>
-                <a:latin typeface="Montserrat Extra Bold" panose="00000900000000000000" pitchFamily="50" charset="0"/>
-              </a:rPr>
-              <a:t>LinUCB</a:t>
-            </a:r>
-            <a:r>
-              <a:rPr lang="en-US" sz="2000" b="1" dirty="0">
-                <a:solidFill>
-                  <a:schemeClr val="tx1">
-                    <a:lumMod val="75000"/>
-                    <a:lumOff val="25000"/>
-                  </a:schemeClr>
-                </a:solidFill>
-                <a:latin typeface="Montserrat Extra Bold" panose="00000900000000000000" pitchFamily="50" charset="0"/>
-              </a:rPr>
-              <a:t> with Disjoint Linear Models</a:t>
-            </a:r>
-          </a:p>
-        </p:txBody>
-      </p:sp>
-      <p:sp>
-        <p:nvSpPr>
-          <p:cNvPr id="64" name="TextBox 63">
+        </p:spPr>
+      </p:pic>
+      <p:pic>
+        <p:nvPicPr>
+          <p:cNvPr id="78" name="Picture 77" descr="Logo&#10;&#10;Description automatically generated with low confidence">
             <a:extLst>
               <a:ext uri="{FF2B5EF4-FFF2-40B4-BE49-F238E27FC236}">
-                <a16:creationId xmlns:a16="http://schemas.microsoft.com/office/drawing/2014/main" id="{A3E4D9C5-31FA-2548-BD18-B2F42B4C3EB7}"/>
+                <a16:creationId xmlns:a16="http://schemas.microsoft.com/office/drawing/2014/main" id="{0852242F-010D-CF4E-891D-2DFAFB113A6B}"/>
               </a:ext>
             </a:extLst>
           </p:cNvPr>
-          <p:cNvSpPr txBox="1"/>
+          <p:cNvPicPr>
+            <a:picLocks noChangeAspect="1"/>
+          </p:cNvPicPr>
           <p:nvPr/>
-        </p:nvSpPr>
-        <p:spPr>
-          <a:xfrm>
-            <a:off x="8973064" y="12651404"/>
-            <a:ext cx="6874704" cy="2862322"/>
+        </p:nvPicPr>
+        <p:blipFill>
+          <a:blip r:embed="rId15">
+            <a:extLst>
+              <a:ext uri="{28A0092B-C50C-407E-A947-70E740481C1C}">
+                <a14:useLocalDpi xmlns:a14="http://schemas.microsoft.com/office/drawing/2010/main" val="0"/>
+              </a:ext>
+            </a:extLst>
+          </a:blip>
+          <a:stretch>
+            <a:fillRect/>
+          </a:stretch>
+        </p:blipFill>
+        <p:spPr>
+          <a:xfrm>
+            <a:off x="10451715" y="20079446"/>
+            <a:ext cx="4032934" cy="850697"/>
           </a:xfrm>
           <a:prstGeom prst="rect">
             <a:avLst/>
           </a:prstGeom>
-          <a:noFill/>
-        </p:spPr>
-        <p:txBody>
-          <a:bodyPr wrap="square" rtlCol="0">
-            <a:spAutoFit/>
-          </a:bodyPr>
-          <a:lstStyle/>
-          <a:p>
-            <a:r>
-              <a:rPr lang="en-US" sz="1800" dirty="0">
-                <a:solidFill>
-                  <a:schemeClr val="tx1">
-                    <a:lumMod val="65000"/>
-                    <a:lumOff val="35000"/>
-                  </a:schemeClr>
-                </a:solidFill>
-                <a:latin typeface="Domine" panose="02040503040403060204" pitchFamily="18" charset="0"/>
-                <a:ea typeface="Open Sans" panose="020B0606030504020204" pitchFamily="34" charset="0"/>
-                <a:cs typeface="Open Sans" panose="020B0606030504020204" pitchFamily="34" charset="0"/>
-              </a:rPr>
-              <a:t>Our second bandit algorithm is Thompson Sampling, applied to contextual bandits with linear payoffs, based on Agrawal &amp; Goyal (2013).. This algorithm works by posterior sampling, where we sample the linear parameter vector from a continuously updating normal distribution, We deviate from the prescribed implementation by giving each arm a separate set of parameters, thereby making it a disjoint setting similar to </a:t>
-            </a:r>
-            <a:r>
-              <a:rPr lang="en-US" sz="1800" dirty="0" err="1">
-                <a:solidFill>
-                  <a:schemeClr val="tx1">
-                    <a:lumMod val="65000"/>
-                    <a:lumOff val="35000"/>
-                  </a:schemeClr>
-                </a:solidFill>
-                <a:latin typeface="Domine" panose="02040503040403060204" pitchFamily="18" charset="0"/>
-                <a:ea typeface="Open Sans" panose="020B0606030504020204" pitchFamily="34" charset="0"/>
-                <a:cs typeface="Open Sans" panose="020B0606030504020204" pitchFamily="34" charset="0"/>
-              </a:rPr>
-              <a:t>LinUCB</a:t>
-            </a:r>
-            <a:r>
-              <a:rPr lang="en-US" sz="1800" dirty="0">
-                <a:solidFill>
-                  <a:schemeClr val="tx1">
-                    <a:lumMod val="65000"/>
-                    <a:lumOff val="35000"/>
-                  </a:schemeClr>
-                </a:solidFill>
-                <a:latin typeface="Domine" panose="02040503040403060204" pitchFamily="18" charset="0"/>
-                <a:ea typeface="Open Sans" panose="020B0606030504020204" pitchFamily="34" charset="0"/>
-                <a:cs typeface="Open Sans" panose="020B0606030504020204" pitchFamily="34" charset="0"/>
-              </a:rPr>
-              <a:t>,</a:t>
-            </a:r>
-          </a:p>
-          <a:p>
-            <a:endParaRPr lang="en-US" sz="1800" dirty="0">
-              <a:solidFill>
-                <a:schemeClr val="tx1">
-                  <a:lumMod val="65000"/>
-                  <a:lumOff val="35000"/>
-                </a:schemeClr>
-              </a:solidFill>
-              <a:latin typeface="Domine" panose="02040503040403060204" pitchFamily="18" charset="0"/>
-              <a:ea typeface="Open Sans" panose="020B0606030504020204" pitchFamily="34" charset="0"/>
-              <a:cs typeface="Open Sans" panose="020B0606030504020204" pitchFamily="34" charset="0"/>
-            </a:endParaRPr>
-          </a:p>
-          <a:p>
-            <a:endParaRPr lang="en-US" sz="1800" dirty="0">
-              <a:solidFill>
-                <a:schemeClr val="tx1">
-                  <a:lumMod val="65000"/>
-                  <a:lumOff val="35000"/>
-                </a:schemeClr>
-              </a:solidFill>
-              <a:latin typeface="Domine" panose="02040503040403060204" pitchFamily="18" charset="0"/>
-              <a:ea typeface="Open Sans" panose="020B0606030504020204" pitchFamily="34" charset="0"/>
-              <a:cs typeface="Open Sans" panose="020B0606030504020204" pitchFamily="34" charset="0"/>
-            </a:endParaRPr>
-          </a:p>
-        </p:txBody>
-      </p:sp>
-      <p:sp>
-        <p:nvSpPr>
-          <p:cNvPr id="65" name="TextBox 64">
-            <a:extLst>
-              <a:ext uri="{FF2B5EF4-FFF2-40B4-BE49-F238E27FC236}">
-                <a16:creationId xmlns:a16="http://schemas.microsoft.com/office/drawing/2014/main" id="{1F50919E-1D61-ED42-BD82-84F736BAE7BF}"/>
-              </a:ext>
-            </a:extLst>
-          </p:cNvPr>
-          <p:cNvSpPr txBox="1"/>
-          <p:nvPr/>
-        </p:nvSpPr>
-        <p:spPr>
-          <a:xfrm>
-            <a:off x="8973064" y="12265589"/>
-            <a:ext cx="6874704" cy="400110"/>
-          </a:xfrm>
-          <a:prstGeom prst="rect">
-            <a:avLst/>
-          </a:prstGeom>
-          <a:noFill/>
-        </p:spPr>
-        <p:txBody>
-          <a:bodyPr wrap="square" rtlCol="0">
-            <a:spAutoFit/>
-          </a:bodyPr>
-          <a:lstStyle>
-            <a:defPPr>
-              <a:defRPr kern="1200"/>
-            </a:defPPr>
-          </a:lstStyle>
-          <a:p>
-            <a:r>
-              <a:rPr lang="en-US" sz="2000" b="1" dirty="0">
-                <a:solidFill>
-                  <a:schemeClr val="tx1">
-                    <a:lumMod val="75000"/>
-                    <a:lumOff val="25000"/>
-                  </a:schemeClr>
-                </a:solidFill>
-                <a:latin typeface="Montserrat Extra Bold" panose="00000900000000000000" pitchFamily="50" charset="0"/>
-              </a:rPr>
-              <a:t>Thompson Sampling</a:t>
-            </a:r>
-          </a:p>
-        </p:txBody>
-      </p:sp>
-      <p:sp>
-        <p:nvSpPr>
-          <p:cNvPr id="66" name="TextBox 65">
-            <a:extLst>
-              <a:ext uri="{FF2B5EF4-FFF2-40B4-BE49-F238E27FC236}">
-                <a16:creationId xmlns:a16="http://schemas.microsoft.com/office/drawing/2014/main" id="{F486202D-6F64-AE4D-B1D6-5824E8EFE1C5}"/>
-              </a:ext>
-            </a:extLst>
-          </p:cNvPr>
-          <p:cNvSpPr txBox="1"/>
-          <p:nvPr/>
-        </p:nvSpPr>
-        <p:spPr>
-          <a:xfrm>
-            <a:off x="8936601" y="16677095"/>
-            <a:ext cx="6874704" cy="2308324"/>
-          </a:xfrm>
-          <a:prstGeom prst="rect">
-            <a:avLst/>
-          </a:prstGeom>
-          <a:noFill/>
-        </p:spPr>
-        <p:txBody>
-          <a:bodyPr wrap="square" rtlCol="0">
-            <a:spAutoFit/>
-          </a:bodyPr>
-          <a:lstStyle/>
-          <a:p>
-            <a:r>
-              <a:rPr lang="en-US" sz="1800" dirty="0">
-                <a:solidFill>
-                  <a:schemeClr val="tx1">
-                    <a:lumMod val="65000"/>
-                    <a:lumOff val="35000"/>
-                  </a:schemeClr>
-                </a:solidFill>
-                <a:latin typeface="Domine" panose="02040503040403060204" pitchFamily="18" charset="0"/>
-                <a:ea typeface="Open Sans" panose="020B0606030504020204" pitchFamily="34" charset="0"/>
-                <a:cs typeface="Open Sans" panose="020B0606030504020204" pitchFamily="34" charset="0"/>
-              </a:rPr>
-              <a:t>Our final algorithm is a supervised linear bandit, which trains a linear model based on all prior observed true warfarin doses, rather than the standard binary reward. By utilizing this extra information, this model should achieve better performance than all others tested, and will set a kind of upper bound on the performance of linear bandit models. </a:t>
-            </a:r>
-          </a:p>
-          <a:p>
-            <a:endParaRPr lang="en-US" sz="1800" dirty="0">
-              <a:solidFill>
-                <a:schemeClr val="tx1">
-                  <a:lumMod val="65000"/>
-                  <a:lumOff val="35000"/>
-                </a:schemeClr>
-              </a:solidFill>
-              <a:latin typeface="Domine" panose="02040503040403060204" pitchFamily="18" charset="0"/>
-              <a:ea typeface="Open Sans" panose="020B0606030504020204" pitchFamily="34" charset="0"/>
-              <a:cs typeface="Open Sans" panose="020B0606030504020204" pitchFamily="34" charset="0"/>
-            </a:endParaRPr>
-          </a:p>
-          <a:p>
-            <a:endParaRPr lang="en-US" sz="1800" dirty="0">
-              <a:solidFill>
-                <a:schemeClr val="tx1">
-                  <a:lumMod val="65000"/>
-                  <a:lumOff val="35000"/>
-                </a:schemeClr>
-              </a:solidFill>
-              <a:latin typeface="Domine" panose="02040503040403060204" pitchFamily="18" charset="0"/>
-              <a:ea typeface="Open Sans" panose="020B0606030504020204" pitchFamily="34" charset="0"/>
-              <a:cs typeface="Open Sans" panose="020B0606030504020204" pitchFamily="34" charset="0"/>
-            </a:endParaRPr>
-          </a:p>
-        </p:txBody>
-      </p:sp>
-      <p:sp>
-        <p:nvSpPr>
-          <p:cNvPr id="67" name="TextBox 66">
-            <a:extLst>
-              <a:ext uri="{FF2B5EF4-FFF2-40B4-BE49-F238E27FC236}">
-                <a16:creationId xmlns:a16="http://schemas.microsoft.com/office/drawing/2014/main" id="{B137B4B7-0EF7-024F-9A39-6C8733D86FC6}"/>
-              </a:ext>
-            </a:extLst>
-          </p:cNvPr>
-          <p:cNvSpPr txBox="1"/>
-          <p:nvPr/>
-        </p:nvSpPr>
-        <p:spPr>
-          <a:xfrm>
-            <a:off x="8936601" y="16291280"/>
-            <a:ext cx="6874704" cy="400110"/>
-          </a:xfrm>
-          <a:prstGeom prst="rect">
-            <a:avLst/>
-          </a:prstGeom>
-          <a:noFill/>
-        </p:spPr>
-        <p:txBody>
-          <a:bodyPr wrap="square" rtlCol="0">
-            <a:spAutoFit/>
-          </a:bodyPr>
-          <a:lstStyle>
-            <a:defPPr>
-              <a:defRPr kern="1200"/>
-            </a:defPPr>
-          </a:lstStyle>
-          <a:p>
-            <a:r>
-              <a:rPr lang="en-US" sz="2000" b="1" dirty="0">
-                <a:solidFill>
-                  <a:schemeClr val="tx1">
-                    <a:lumMod val="75000"/>
-                    <a:lumOff val="25000"/>
-                  </a:schemeClr>
-                </a:solidFill>
-                <a:latin typeface="Montserrat Extra Bold" panose="00000900000000000000" pitchFamily="50" charset="0"/>
-              </a:rPr>
-              <a:t>Supervised Linear Bandit</a:t>
-            </a:r>
-          </a:p>
-        </p:txBody>
-      </p:sp>
-      <p:sp>
-        <p:nvSpPr>
-          <p:cNvPr id="68" name="TextBox 67">
-            <a:extLst>
-              <a:ext uri="{FF2B5EF4-FFF2-40B4-BE49-F238E27FC236}">
-                <a16:creationId xmlns:a16="http://schemas.microsoft.com/office/drawing/2014/main" id="{1CAC4F3D-2FD8-3643-AC3F-553E60C13061}"/>
-              </a:ext>
-            </a:extLst>
-          </p:cNvPr>
-          <p:cNvSpPr txBox="1"/>
-          <p:nvPr/>
-        </p:nvSpPr>
-        <p:spPr>
-          <a:xfrm>
-            <a:off x="17077923" y="19555190"/>
-            <a:ext cx="15001441" cy="2031325"/>
-          </a:xfrm>
-          <a:prstGeom prst="rect">
-            <a:avLst/>
-          </a:prstGeom>
-          <a:noFill/>
-        </p:spPr>
-        <p:txBody>
-          <a:bodyPr wrap="square" rtlCol="0">
-            <a:spAutoFit/>
-          </a:bodyPr>
-          <a:lstStyle/>
-          <a:p>
-            <a:pPr marL="458788" indent="-458788"/>
-            <a:r>
-              <a:rPr lang="en-US" sz="1800" dirty="0">
-                <a:solidFill>
-                  <a:schemeClr val="tx1">
-                    <a:lumMod val="65000"/>
-                    <a:lumOff val="35000"/>
-                  </a:schemeClr>
-                </a:solidFill>
-                <a:latin typeface="Domine" panose="02040503040403060204" pitchFamily="18" charset="0"/>
-                <a:ea typeface="Open Sans" panose="020B0606030504020204" pitchFamily="34" charset="0"/>
-                <a:cs typeface="Open Sans" panose="020B0606030504020204" pitchFamily="34" charset="0"/>
-              </a:rPr>
-              <a:t>I. W. P. Consortium. Estimation of the warfarin dose with clinical and pharmacogenetic data. </a:t>
-            </a:r>
-            <a:r>
-              <a:rPr lang="en-US" sz="1800" i="1" dirty="0">
-                <a:solidFill>
-                  <a:schemeClr val="tx1">
-                    <a:lumMod val="65000"/>
-                    <a:lumOff val="35000"/>
-                  </a:schemeClr>
-                </a:solidFill>
-                <a:latin typeface="Domine" panose="02040503040403060204" pitchFamily="18" charset="0"/>
-                <a:ea typeface="Open Sans" panose="020B0606030504020204" pitchFamily="34" charset="0"/>
-                <a:cs typeface="Open Sans" panose="020B0606030504020204" pitchFamily="34" charset="0"/>
-              </a:rPr>
-              <a:t>New England Journal of Medicine</a:t>
-            </a:r>
-            <a:r>
-              <a:rPr lang="en-US" sz="1800" dirty="0">
-                <a:solidFill>
-                  <a:schemeClr val="tx1">
-                    <a:lumMod val="65000"/>
-                    <a:lumOff val="35000"/>
-                  </a:schemeClr>
-                </a:solidFill>
-                <a:latin typeface="Domine" panose="02040503040403060204" pitchFamily="18" charset="0"/>
-                <a:ea typeface="Open Sans" panose="020B0606030504020204" pitchFamily="34" charset="0"/>
-                <a:cs typeface="Open Sans" panose="020B0606030504020204" pitchFamily="34" charset="0"/>
-              </a:rPr>
-              <a:t>, 360(8):753–764, 2009.</a:t>
-            </a:r>
-          </a:p>
-          <a:p>
-            <a:pPr marL="458788" indent="-458788"/>
-            <a:r>
-              <a:rPr lang="en-US" sz="1800" dirty="0">
-                <a:solidFill>
-                  <a:schemeClr val="tx1">
-                    <a:lumMod val="65000"/>
-                    <a:lumOff val="35000"/>
-                  </a:schemeClr>
-                </a:solidFill>
-                <a:latin typeface="Domine" panose="02040503040403060204" pitchFamily="18" charset="0"/>
-                <a:ea typeface="Open Sans" panose="020B0606030504020204" pitchFamily="34" charset="0"/>
-                <a:cs typeface="Open Sans" panose="020B0606030504020204" pitchFamily="34" charset="0"/>
-              </a:rPr>
-              <a:t>L. Li, W. Chu, J. Langford, and R. E. </a:t>
-            </a:r>
-            <a:r>
-              <a:rPr lang="en-US" sz="1800" dirty="0" err="1">
-                <a:solidFill>
-                  <a:schemeClr val="tx1">
-                    <a:lumMod val="65000"/>
-                    <a:lumOff val="35000"/>
-                  </a:schemeClr>
-                </a:solidFill>
-                <a:latin typeface="Domine" panose="02040503040403060204" pitchFamily="18" charset="0"/>
-                <a:ea typeface="Open Sans" panose="020B0606030504020204" pitchFamily="34" charset="0"/>
-                <a:cs typeface="Open Sans" panose="020B0606030504020204" pitchFamily="34" charset="0"/>
-              </a:rPr>
-              <a:t>Schapire</a:t>
-            </a:r>
-            <a:r>
-              <a:rPr lang="en-US" sz="1800" dirty="0">
-                <a:solidFill>
-                  <a:schemeClr val="tx1">
-                    <a:lumMod val="65000"/>
-                    <a:lumOff val="35000"/>
-                  </a:schemeClr>
-                </a:solidFill>
-                <a:latin typeface="Domine" panose="02040503040403060204" pitchFamily="18" charset="0"/>
-                <a:ea typeface="Open Sans" panose="020B0606030504020204" pitchFamily="34" charset="0"/>
-                <a:cs typeface="Open Sans" panose="020B0606030504020204" pitchFamily="34" charset="0"/>
-              </a:rPr>
-              <a:t>. A contextual-bandit approach to personalized news article recommendation. In </a:t>
-            </a:r>
-            <a:r>
-              <a:rPr lang="en-US" sz="1800" i="1" dirty="0">
-                <a:solidFill>
-                  <a:schemeClr val="tx1">
-                    <a:lumMod val="65000"/>
-                    <a:lumOff val="35000"/>
-                  </a:schemeClr>
-                </a:solidFill>
-                <a:latin typeface="Domine" panose="02040503040403060204" pitchFamily="18" charset="0"/>
-                <a:ea typeface="Open Sans" panose="020B0606030504020204" pitchFamily="34" charset="0"/>
-                <a:cs typeface="Open Sans" panose="020B0606030504020204" pitchFamily="34" charset="0"/>
-              </a:rPr>
-              <a:t>Proceedings          of the 19th international conference on World wide web</a:t>
-            </a:r>
-            <a:r>
-              <a:rPr lang="en-US" sz="1800" dirty="0">
-                <a:solidFill>
-                  <a:schemeClr val="tx1">
-                    <a:lumMod val="65000"/>
-                    <a:lumOff val="35000"/>
-                  </a:schemeClr>
-                </a:solidFill>
-                <a:latin typeface="Domine" panose="02040503040403060204" pitchFamily="18" charset="0"/>
-                <a:ea typeface="Open Sans" panose="020B0606030504020204" pitchFamily="34" charset="0"/>
-                <a:cs typeface="Open Sans" panose="020B0606030504020204" pitchFamily="34" charset="0"/>
-              </a:rPr>
-              <a:t>, pages 661–670, 2010.</a:t>
-            </a:r>
-          </a:p>
-          <a:p>
-            <a:pPr marL="458788" indent="-458788"/>
-            <a:r>
-              <a:rPr lang="en-US" sz="1800" dirty="0">
-                <a:solidFill>
-                  <a:schemeClr val="tx1">
-                    <a:lumMod val="65000"/>
-                    <a:lumOff val="35000"/>
-                  </a:schemeClr>
-                </a:solidFill>
-                <a:latin typeface="Domine" panose="02040503040403060204" pitchFamily="18" charset="0"/>
-                <a:ea typeface="Open Sans" panose="020B0606030504020204" pitchFamily="34" charset="0"/>
-                <a:cs typeface="Open Sans" panose="020B0606030504020204" pitchFamily="34" charset="0"/>
-              </a:rPr>
-              <a:t>S. Agrawal and N. Goyal. Thompson sampling for contextual bandits with linear payoffs. In </a:t>
-            </a:r>
-            <a:r>
-              <a:rPr lang="en-US" sz="1800" i="1" dirty="0">
-                <a:solidFill>
-                  <a:schemeClr val="tx1">
-                    <a:lumMod val="65000"/>
-                    <a:lumOff val="35000"/>
-                  </a:schemeClr>
-                </a:solidFill>
-                <a:latin typeface="Domine" panose="02040503040403060204" pitchFamily="18" charset="0"/>
-                <a:ea typeface="Open Sans" panose="020B0606030504020204" pitchFamily="34" charset="0"/>
-                <a:cs typeface="Open Sans" panose="020B0606030504020204" pitchFamily="34" charset="0"/>
-              </a:rPr>
-              <a:t>International Conference on Machine Learning</a:t>
-            </a:r>
-            <a:r>
-              <a:rPr lang="en-US" sz="1800" dirty="0">
-                <a:solidFill>
-                  <a:schemeClr val="tx1">
-                    <a:lumMod val="65000"/>
-                    <a:lumOff val="35000"/>
-                  </a:schemeClr>
-                </a:solidFill>
-                <a:latin typeface="Domine" panose="02040503040403060204" pitchFamily="18" charset="0"/>
-                <a:ea typeface="Open Sans" panose="020B0606030504020204" pitchFamily="34" charset="0"/>
-                <a:cs typeface="Open Sans" panose="020B0606030504020204" pitchFamily="34" charset="0"/>
-              </a:rPr>
-              <a:t>, pages 127–135, 2013.</a:t>
-            </a:r>
-          </a:p>
-          <a:p>
-            <a:endParaRPr lang="en-US" sz="1800" dirty="0">
-              <a:solidFill>
-                <a:schemeClr val="tx1">
-                  <a:lumMod val="65000"/>
-                  <a:lumOff val="35000"/>
-                </a:schemeClr>
-              </a:solidFill>
-              <a:latin typeface="Domine" panose="02040503040403060204" pitchFamily="18" charset="0"/>
-              <a:ea typeface="Open Sans" panose="020B0606030504020204" pitchFamily="34" charset="0"/>
-              <a:cs typeface="Open Sans" panose="020B0606030504020204" pitchFamily="34" charset="0"/>
-            </a:endParaRPr>
-          </a:p>
-        </p:txBody>
-      </p:sp>
-      <p:sp>
-        <p:nvSpPr>
-          <p:cNvPr id="69" name="TextBox 68">
-            <a:extLst>
-              <a:ext uri="{FF2B5EF4-FFF2-40B4-BE49-F238E27FC236}">
-                <a16:creationId xmlns:a16="http://schemas.microsoft.com/office/drawing/2014/main" id="{58BBA0E2-D6B4-E644-9B29-BEB6D6926E19}"/>
-              </a:ext>
-            </a:extLst>
-          </p:cNvPr>
-          <p:cNvSpPr txBox="1"/>
-          <p:nvPr/>
-        </p:nvSpPr>
-        <p:spPr>
-          <a:xfrm>
-            <a:off x="25167451" y="5713835"/>
-            <a:ext cx="6874704" cy="5909310"/>
-          </a:xfrm>
-          <a:prstGeom prst="rect">
-            <a:avLst/>
-          </a:prstGeom>
-          <a:noFill/>
-        </p:spPr>
-        <p:txBody>
-          <a:bodyPr wrap="square" rtlCol="0">
-            <a:spAutoFit/>
-          </a:bodyPr>
-          <a:lstStyle/>
-          <a:p>
-            <a:r>
-              <a:rPr lang="en-US" sz="1800" dirty="0">
-                <a:solidFill>
-                  <a:schemeClr val="tx1">
-                    <a:lumMod val="65000"/>
-                    <a:lumOff val="35000"/>
-                  </a:schemeClr>
-                </a:solidFill>
-                <a:latin typeface="Domine" panose="02040503040403060204" pitchFamily="18" charset="0"/>
-                <a:ea typeface="Open Sans" panose="020B0606030504020204" pitchFamily="34" charset="0"/>
-                <a:cs typeface="Open Sans" panose="020B0606030504020204" pitchFamily="34" charset="0"/>
-              </a:rPr>
-              <a:t>Our results show clear performance improvements when comparing bandit methods to both the fixed dose baseline and, in the case of </a:t>
-            </a:r>
-            <a:r>
-              <a:rPr lang="en-US" sz="1800" dirty="0" err="1">
-                <a:solidFill>
-                  <a:schemeClr val="tx1">
-                    <a:lumMod val="65000"/>
-                    <a:lumOff val="35000"/>
-                  </a:schemeClr>
-                </a:solidFill>
-                <a:latin typeface="Domine" panose="02040503040403060204" pitchFamily="18" charset="0"/>
-                <a:ea typeface="Open Sans" panose="020B0606030504020204" pitchFamily="34" charset="0"/>
-                <a:cs typeface="Open Sans" panose="020B0606030504020204" pitchFamily="34" charset="0"/>
-              </a:rPr>
-              <a:t>LinUCB</a:t>
-            </a:r>
-            <a:r>
-              <a:rPr lang="en-US" sz="1800" dirty="0">
-                <a:solidFill>
-                  <a:schemeClr val="tx1">
-                    <a:lumMod val="65000"/>
-                    <a:lumOff val="35000"/>
-                  </a:schemeClr>
-                </a:solidFill>
-                <a:latin typeface="Domine" panose="02040503040403060204" pitchFamily="18" charset="0"/>
-                <a:ea typeface="Open Sans" panose="020B0606030504020204" pitchFamily="34" charset="0"/>
-                <a:cs typeface="Open Sans" panose="020B0606030504020204" pitchFamily="34" charset="0"/>
-              </a:rPr>
-              <a:t>, to the clinical dosing algorithm as well. This clearly demonstrates the power of bandit methods for warfarin dose assignment, and suggests that such methods should be further explored to achieve better patient outcomes.</a:t>
-            </a:r>
-          </a:p>
-          <a:p>
-            <a:endParaRPr lang="en-US" sz="1800" dirty="0">
-              <a:solidFill>
-                <a:schemeClr val="tx1">
-                  <a:lumMod val="65000"/>
-                  <a:lumOff val="35000"/>
-                </a:schemeClr>
-              </a:solidFill>
-              <a:latin typeface="Domine" panose="02040503040403060204" pitchFamily="18" charset="0"/>
-              <a:ea typeface="Open Sans" panose="020B0606030504020204" pitchFamily="34" charset="0"/>
-              <a:cs typeface="Open Sans" panose="020B0606030504020204" pitchFamily="34" charset="0"/>
-            </a:endParaRPr>
-          </a:p>
-          <a:p>
-            <a:r>
-              <a:rPr lang="en-US" sz="1800" dirty="0">
-                <a:solidFill>
-                  <a:schemeClr val="tx1">
-                    <a:lumMod val="65000"/>
-                    <a:lumOff val="35000"/>
-                  </a:schemeClr>
-                </a:solidFill>
-                <a:latin typeface="Domine" panose="02040503040403060204" pitchFamily="18" charset="0"/>
-                <a:ea typeface="Open Sans" panose="020B0606030504020204" pitchFamily="34" charset="0"/>
-                <a:cs typeface="Open Sans" panose="020B0606030504020204" pitchFamily="34" charset="0"/>
-              </a:rPr>
-              <a:t>However, there is one key caveat to these results: while </a:t>
-            </a:r>
-            <a:r>
-              <a:rPr lang="en-US" sz="1800" dirty="0" err="1">
-                <a:solidFill>
-                  <a:schemeClr val="tx1">
-                    <a:lumMod val="65000"/>
-                    <a:lumOff val="35000"/>
-                  </a:schemeClr>
-                </a:solidFill>
-                <a:latin typeface="Domine" panose="02040503040403060204" pitchFamily="18" charset="0"/>
-                <a:ea typeface="Open Sans" panose="020B0606030504020204" pitchFamily="34" charset="0"/>
-                <a:cs typeface="Open Sans" panose="020B0606030504020204" pitchFamily="34" charset="0"/>
-              </a:rPr>
-              <a:t>LinUCB</a:t>
-            </a:r>
-            <a:r>
-              <a:rPr lang="en-US" sz="1800" dirty="0">
-                <a:solidFill>
-                  <a:schemeClr val="tx1">
-                    <a:lumMod val="65000"/>
-                    <a:lumOff val="35000"/>
-                  </a:schemeClr>
-                </a:solidFill>
-                <a:latin typeface="Domine" panose="02040503040403060204" pitchFamily="18" charset="0"/>
-                <a:ea typeface="Open Sans" panose="020B0606030504020204" pitchFamily="34" charset="0"/>
-                <a:cs typeface="Open Sans" panose="020B0606030504020204" pitchFamily="34" charset="0"/>
-              </a:rPr>
-              <a:t> outperforms the clinical dosing algorithm by the end of the ”online” training period, it takes nearly 2000 patients before its performance truly matches that of the clinical dosing algorithm. As a result, if this were a truly online setting, several of those patients may have received a lower quality of care than if the clinical dosing algorithm had been applied. This raises ethical considerations regarding potential harm to patients used in training bandit methods, particularly for healthcare applications. This suggests that some degree of offline learning, such as we have performed in this project, is necessary prior to the rollout of a bandit algorithm in such contexts.</a:t>
-            </a:r>
-          </a:p>
-        </p:txBody>
-      </p:sp>
-      <p:sp>
-        <p:nvSpPr>
-          <p:cNvPr id="70" name="TextBox 69">
-            <a:extLst>
-              <a:ext uri="{FF2B5EF4-FFF2-40B4-BE49-F238E27FC236}">
-                <a16:creationId xmlns:a16="http://schemas.microsoft.com/office/drawing/2014/main" id="{B3C4FF56-0435-B644-A0B7-06F4C3D67FA8}"/>
-              </a:ext>
-            </a:extLst>
-          </p:cNvPr>
-          <p:cNvSpPr txBox="1"/>
-          <p:nvPr/>
-        </p:nvSpPr>
-        <p:spPr>
-          <a:xfrm>
-            <a:off x="25204659" y="14322118"/>
-            <a:ext cx="6874704" cy="3416320"/>
-          </a:xfrm>
-          <a:prstGeom prst="rect">
-            <a:avLst/>
-          </a:prstGeom>
-          <a:noFill/>
-        </p:spPr>
-        <p:txBody>
-          <a:bodyPr wrap="square" rtlCol="0">
-            <a:spAutoFit/>
-          </a:bodyPr>
-          <a:lstStyle/>
-          <a:p>
-            <a:r>
-              <a:rPr lang="en-US" sz="1800" dirty="0">
-                <a:solidFill>
-                  <a:schemeClr val="tx1">
-                    <a:lumMod val="65000"/>
-                    <a:lumOff val="35000"/>
-                  </a:schemeClr>
-                </a:solidFill>
-                <a:latin typeface="Domine" panose="02040503040403060204" pitchFamily="18" charset="0"/>
-                <a:ea typeface="Open Sans" panose="020B0606030504020204" pitchFamily="34" charset="0"/>
-                <a:cs typeface="Open Sans" panose="020B0606030504020204" pitchFamily="34" charset="0"/>
-              </a:rPr>
-              <a:t>The key direction of future research in this project is to investigate further implementations of linear bandit models to attempt to close the performance gap between our current optimal implementation, </a:t>
-            </a:r>
-            <a:r>
-              <a:rPr lang="en-US" sz="1800" dirty="0" err="1">
-                <a:solidFill>
-                  <a:schemeClr val="tx1">
-                    <a:lumMod val="65000"/>
-                    <a:lumOff val="35000"/>
-                  </a:schemeClr>
-                </a:solidFill>
-                <a:latin typeface="Domine" panose="02040503040403060204" pitchFamily="18" charset="0"/>
-                <a:ea typeface="Open Sans" panose="020B0606030504020204" pitchFamily="34" charset="0"/>
-                <a:cs typeface="Open Sans" panose="020B0606030504020204" pitchFamily="34" charset="0"/>
-              </a:rPr>
-              <a:t>LinUCB</a:t>
-            </a:r>
-            <a:r>
-              <a:rPr lang="en-US" sz="1800" dirty="0">
-                <a:solidFill>
-                  <a:schemeClr val="tx1">
-                    <a:lumMod val="65000"/>
-                    <a:lumOff val="35000"/>
-                  </a:schemeClr>
-                </a:solidFill>
-                <a:latin typeface="Domine" panose="02040503040403060204" pitchFamily="18" charset="0"/>
-                <a:ea typeface="Open Sans" panose="020B0606030504020204" pitchFamily="34" charset="0"/>
-                <a:cs typeface="Open Sans" panose="020B0606030504020204" pitchFamily="34" charset="0"/>
-              </a:rPr>
-              <a:t>, and the supervised linear bandit. While the latter’s performance presents an upper bound on the potential performance of linear bandit models and likely cannot be replicated by a model that observes only binary rewards, the existing gap suggests that other model formulations may be able to provide better performance. Possible candidates that we have not tested in this project include robust algorithms or regularized linear models. </a:t>
-            </a:r>
-          </a:p>
-        </p:txBody>
-      </p:sp>
+        </p:spPr>
+      </p:pic>
     </p:spTree>
     <p:extLst>
       <p:ext uri="{BB962C8B-B14F-4D97-AF65-F5344CB8AC3E}">
